--- a/Website-jp-pp.pptx
+++ b/Website-jp-pp.pptx
@@ -1132,7 +1132,7 @@
           <a:p>
             <a:fld id="{23CEAAF3-9831-450B-8D59-2C09DB96C8FC}" type="datetimeFigureOut">
               <a:rPr lang="en-US"/>
-              <a:t>7/14/2020</a:t>
+              <a:t>7/15/2020</a:t>
             </a:fld>
             <a:endParaRPr/>
           </a:p>
@@ -1297,7 +1297,7 @@
           <a:p>
             <a:fld id="{2D50CD79-FC16-4410-AB61-17F26E6D3BC8}" type="datetimeFigureOut">
               <a:rPr lang="en-US"/>
-              <a:t>7/14/2020</a:t>
+              <a:t>7/15/2020</a:t>
             </a:fld>
             <a:endParaRPr/>
           </a:p>
@@ -10970,7 +10970,7 @@
           <a:p>
             <a:fld id="{402B9795-92DC-40DC-A1CA-9A4B349D7824}" type="datetimeFigureOut">
               <a:rPr lang="en-US" smtClean="0"/>
-              <a:t>7/14/2020</a:t>
+              <a:t>7/15/2020</a:t>
             </a:fld>
             <a:endParaRPr/>
           </a:p>
@@ -11279,7 +11279,7 @@
           <a:p>
             <a:fld id="{402B9795-92DC-40DC-A1CA-9A4B349D7824}" type="datetimeFigureOut">
               <a:rPr lang="en-US" smtClean="0"/>
-              <a:t>7/14/2020</a:t>
+              <a:t>7/15/2020</a:t>
             </a:fld>
             <a:endParaRPr/>
           </a:p>
@@ -11453,7 +11453,7 @@
           <a:p>
             <a:fld id="{402B9795-92DC-40DC-A1CA-9A4B349D7824}" type="datetimeFigureOut">
               <a:rPr lang="en-US" smtClean="0"/>
-              <a:t>7/14/2020</a:t>
+              <a:t>7/15/2020</a:t>
             </a:fld>
             <a:endParaRPr/>
           </a:p>
@@ -11637,7 +11637,7 @@
           <a:p>
             <a:fld id="{402B9795-92DC-40DC-A1CA-9A4B349D7824}" type="datetimeFigureOut">
               <a:rPr lang="en-US" smtClean="0"/>
-              <a:t>7/14/2020</a:t>
+              <a:t>7/15/2020</a:t>
             </a:fld>
             <a:endParaRPr/>
           </a:p>
@@ -11898,7 +11898,7 @@
           <a:p>
             <a:fld id="{402B9795-92DC-40DC-A1CA-9A4B349D7824}" type="datetimeFigureOut">
               <a:rPr lang="en-US" smtClean="0"/>
-              <a:t>7/14/2020</a:t>
+              <a:t>7/15/2020</a:t>
             </a:fld>
             <a:endParaRPr/>
           </a:p>
@@ -12879,7 +12879,7 @@
           <a:p>
             <a:fld id="{402B9795-92DC-40DC-A1CA-9A4B349D7824}" type="datetimeFigureOut">
               <a:rPr lang="en-US" smtClean="0"/>
-              <a:t>7/14/2020</a:t>
+              <a:t>7/15/2020</a:t>
             </a:fld>
             <a:endParaRPr/>
           </a:p>
@@ -13175,7 +13175,7 @@
           <a:p>
             <a:fld id="{402B9795-92DC-40DC-A1CA-9A4B349D7824}" type="datetimeFigureOut">
               <a:rPr lang="en-US" smtClean="0"/>
-              <a:t>7/14/2020</a:t>
+              <a:t>7/15/2020</a:t>
             </a:fld>
             <a:endParaRPr/>
           </a:p>
@@ -13539,7 +13539,7 @@
           <a:p>
             <a:fld id="{402B9795-92DC-40DC-A1CA-9A4B349D7824}" type="datetimeFigureOut">
               <a:rPr lang="en-US" smtClean="0"/>
-              <a:t>7/14/2020</a:t>
+              <a:t>7/15/2020</a:t>
             </a:fld>
             <a:endParaRPr/>
           </a:p>
@@ -13667,7 +13667,7 @@
           <a:p>
             <a:fld id="{402B9795-92DC-40DC-A1CA-9A4B349D7824}" type="datetimeFigureOut">
               <a:rPr lang="en-US" smtClean="0"/>
-              <a:t>7/14/2020</a:t>
+              <a:t>7/15/2020</a:t>
             </a:fld>
             <a:endParaRPr/>
           </a:p>
@@ -13774,7 +13774,7 @@
           <a:p>
             <a:fld id="{402B9795-92DC-40DC-A1CA-9A4B349D7824}" type="datetimeFigureOut">
               <a:rPr lang="en-US" smtClean="0"/>
-              <a:t>7/14/2020</a:t>
+              <a:t>7/15/2020</a:t>
             </a:fld>
             <a:endParaRPr/>
           </a:p>
@@ -14056,7 +14056,7 @@
           <a:p>
             <a:fld id="{402B9795-92DC-40DC-A1CA-9A4B349D7824}" type="datetimeFigureOut">
               <a:rPr lang="en-US" smtClean="0"/>
-              <a:t>7/14/2020</a:t>
+              <a:t>7/15/2020</a:t>
             </a:fld>
             <a:endParaRPr/>
           </a:p>
@@ -14298,7 +14298,7 @@
             <a:fld id="{402B9795-92DC-40DC-A1CA-9A4B349D7824}" type="datetimeFigureOut">
               <a:rPr lang="en-US" smtClean="0"/>
               <a:pPr/>
-              <a:t>7/14/2020</a:t>
+              <a:t>7/15/2020</a:t>
             </a:fld>
             <a:endParaRPr lang="en-US"/>
           </a:p>
@@ -15155,6 +15155,13 @@
       </p:transition>
     </mc:Fallback>
   </mc:AlternateContent>
+  <p:timing>
+    <p:tnLst>
+      <p:par>
+        <p:cTn id="1" dur="indefinite" restart="never" nodeType="tmRoot"/>
+      </p:par>
+    </p:tnLst>
+  </p:timing>
 </p:sld>
 </file>
 
@@ -15242,6 +15249,29 @@
           </a:ln>
         </p:spPr>
       </p:pic>
+      <p:sp>
+        <p:nvSpPr>
+          <p:cNvPr id="6" name="Slide Number Placeholder 5"/>
+          <p:cNvSpPr>
+            <a:spLocks noGrp="1"/>
+          </p:cNvSpPr>
+          <p:nvPr>
+            <p:ph type="sldNum" sz="quarter" idx="12"/>
+          </p:nvPr>
+        </p:nvSpPr>
+        <p:spPr/>
+        <p:txBody>
+          <a:bodyPr/>
+          <a:lstStyle/>
+          <a:p>
+            <a:fld id="{0FF54DE5-C571-48E8-A5BC-B369434E2F44}" type="slidenum">
+              <a:rPr lang="en-US" smtClean="0"/>
+              <a:t>10</a:t>
+            </a:fld>
+            <a:endParaRPr lang="en-US"/>
+          </a:p>
+        </p:txBody>
+      </p:sp>
     </p:spTree>
     <p:extLst>
       <p:ext uri="{BB962C8B-B14F-4D97-AF65-F5344CB8AC3E}">
@@ -15449,6 +15479,29 @@
           </a:prstGeom>
         </p:spPr>
       </p:pic>
+      <p:sp>
+        <p:nvSpPr>
+          <p:cNvPr id="7" name="Slide Number Placeholder 6"/>
+          <p:cNvSpPr>
+            <a:spLocks noGrp="1"/>
+          </p:cNvSpPr>
+          <p:nvPr>
+            <p:ph type="sldNum" sz="quarter" idx="12"/>
+          </p:nvPr>
+        </p:nvSpPr>
+        <p:spPr/>
+        <p:txBody>
+          <a:bodyPr/>
+          <a:lstStyle/>
+          <a:p>
+            <a:fld id="{0FF54DE5-C571-48E8-A5BC-B369434E2F44}" type="slidenum">
+              <a:rPr lang="en-US" smtClean="0"/>
+              <a:t>11</a:t>
+            </a:fld>
+            <a:endParaRPr lang="en-US"/>
+          </a:p>
+        </p:txBody>
+      </p:sp>
     </p:spTree>
     <p:extLst>
       <p:ext uri="{BB962C8B-B14F-4D97-AF65-F5344CB8AC3E}">
@@ -15656,6 +15709,29 @@
           </a:prstGeom>
         </p:spPr>
       </p:pic>
+      <p:sp>
+        <p:nvSpPr>
+          <p:cNvPr id="8" name="Slide Number Placeholder 7"/>
+          <p:cNvSpPr>
+            <a:spLocks noGrp="1"/>
+          </p:cNvSpPr>
+          <p:nvPr>
+            <p:ph type="sldNum" sz="quarter" idx="12"/>
+          </p:nvPr>
+        </p:nvSpPr>
+        <p:spPr/>
+        <p:txBody>
+          <a:bodyPr/>
+          <a:lstStyle/>
+          <a:p>
+            <a:fld id="{0FF54DE5-C571-48E8-A5BC-B369434E2F44}" type="slidenum">
+              <a:rPr lang="en-US" smtClean="0"/>
+              <a:t>12</a:t>
+            </a:fld>
+            <a:endParaRPr lang="en-US"/>
+          </a:p>
+        </p:txBody>
+      </p:sp>
     </p:spTree>
     <p:extLst>
       <p:ext uri="{BB962C8B-B14F-4D97-AF65-F5344CB8AC3E}">
@@ -15779,6 +15855,29 @@
               <a:latin typeface="Times New Roman"/>
               <a:cs typeface="Times New Roman"/>
             </a:endParaRPr>
+          </a:p>
+        </p:txBody>
+      </p:sp>
+      <p:sp>
+        <p:nvSpPr>
+          <p:cNvPr id="7" name="Slide Number Placeholder 6"/>
+          <p:cNvSpPr>
+            <a:spLocks noGrp="1"/>
+          </p:cNvSpPr>
+          <p:nvPr>
+            <p:ph type="sldNum" sz="quarter" idx="12"/>
+          </p:nvPr>
+        </p:nvSpPr>
+        <p:spPr/>
+        <p:txBody>
+          <a:bodyPr/>
+          <a:lstStyle/>
+          <a:p>
+            <a:fld id="{0FF54DE5-C571-48E8-A5BC-B369434E2F44}" type="slidenum">
+              <a:rPr lang="en-US" smtClean="0"/>
+              <a:t>13</a:t>
+            </a:fld>
+            <a:endParaRPr lang="en-US"/>
           </a:p>
         </p:txBody>
       </p:sp>
@@ -15980,6 +16079,29 @@
           </a:p>
           <a:p>
             <a:endParaRPr lang="vi-VN" dirty="0"/>
+          </a:p>
+        </p:txBody>
+      </p:sp>
+      <p:sp>
+        <p:nvSpPr>
+          <p:cNvPr id="7" name="Slide Number Placeholder 6"/>
+          <p:cNvSpPr>
+            <a:spLocks noGrp="1"/>
+          </p:cNvSpPr>
+          <p:nvPr>
+            <p:ph type="sldNum" sz="quarter" idx="12"/>
+          </p:nvPr>
+        </p:nvSpPr>
+        <p:spPr/>
+        <p:txBody>
+          <a:bodyPr/>
+          <a:lstStyle/>
+          <a:p>
+            <a:fld id="{0FF54DE5-C571-48E8-A5BC-B369434E2F44}" type="slidenum">
+              <a:rPr lang="en-US" smtClean="0"/>
+              <a:t>14</a:t>
+            </a:fld>
+            <a:endParaRPr lang="en-US"/>
           </a:p>
         </p:txBody>
       </p:sp>
@@ -16235,6 +16357,29 @@
           </a:p>
         </p:txBody>
       </p:sp>
+      <p:sp>
+        <p:nvSpPr>
+          <p:cNvPr id="7" name="Slide Number Placeholder 6"/>
+          <p:cNvSpPr>
+            <a:spLocks noGrp="1"/>
+          </p:cNvSpPr>
+          <p:nvPr>
+            <p:ph type="sldNum" sz="quarter" idx="12"/>
+          </p:nvPr>
+        </p:nvSpPr>
+        <p:spPr/>
+        <p:txBody>
+          <a:bodyPr/>
+          <a:lstStyle/>
+          <a:p>
+            <a:fld id="{0FF54DE5-C571-48E8-A5BC-B369434E2F44}" type="slidenum">
+              <a:rPr lang="en-US" smtClean="0"/>
+              <a:t>15</a:t>
+            </a:fld>
+            <a:endParaRPr lang="en-US"/>
+          </a:p>
+        </p:txBody>
+      </p:sp>
     </p:spTree>
     <p:extLst>
       <p:ext uri="{BB962C8B-B14F-4D97-AF65-F5344CB8AC3E}">
@@ -16487,6 +16632,29 @@
           </a:p>
         </p:txBody>
       </p:sp>
+      <p:sp>
+        <p:nvSpPr>
+          <p:cNvPr id="7" name="Slide Number Placeholder 6"/>
+          <p:cNvSpPr>
+            <a:spLocks noGrp="1"/>
+          </p:cNvSpPr>
+          <p:nvPr>
+            <p:ph type="sldNum" sz="quarter" idx="12"/>
+          </p:nvPr>
+        </p:nvSpPr>
+        <p:spPr/>
+        <p:txBody>
+          <a:bodyPr/>
+          <a:lstStyle/>
+          <a:p>
+            <a:fld id="{0FF54DE5-C571-48E8-A5BC-B369434E2F44}" type="slidenum">
+              <a:rPr lang="en-US" smtClean="0"/>
+              <a:t>16</a:t>
+            </a:fld>
+            <a:endParaRPr lang="en-US"/>
+          </a:p>
+        </p:txBody>
+      </p:sp>
     </p:spTree>
     <p:extLst>
       <p:ext uri="{BB962C8B-B14F-4D97-AF65-F5344CB8AC3E}">
@@ -16989,6 +17157,29 @@
           </a:p>
         </p:txBody>
       </p:sp>
+      <p:sp>
+        <p:nvSpPr>
+          <p:cNvPr id="5" name="Slide Number Placeholder 4"/>
+          <p:cNvSpPr>
+            <a:spLocks noGrp="1"/>
+          </p:cNvSpPr>
+          <p:nvPr>
+            <p:ph type="sldNum" sz="quarter" idx="12"/>
+          </p:nvPr>
+        </p:nvSpPr>
+        <p:spPr/>
+        <p:txBody>
+          <a:bodyPr/>
+          <a:lstStyle/>
+          <a:p>
+            <a:fld id="{0FF54DE5-C571-48E8-A5BC-B369434E2F44}" type="slidenum">
+              <a:rPr lang="en-US" smtClean="0"/>
+              <a:t>2</a:t>
+            </a:fld>
+            <a:endParaRPr lang="en-US" dirty="0"/>
+          </a:p>
+        </p:txBody>
+      </p:sp>
     </p:spTree>
     <p:extLst>
       <p:ext uri="{BB962C8B-B14F-4D97-AF65-F5344CB8AC3E}">
@@ -17011,6 +17202,13 @@
       </p:transition>
     </mc:Fallback>
   </mc:AlternateContent>
+  <p:timing>
+    <p:tnLst>
+      <p:par>
+        <p:cTn id="1" dur="indefinite" restart="never" nodeType="tmRoot"/>
+      </p:par>
+    </p:tnLst>
+  </p:timing>
 </p:sld>
 </file>
 
@@ -17864,6 +18062,29 @@
           <a:p>
             <a:pPr algn="l"/>
             <a:endParaRPr lang="vi-VN" dirty="0"/>
+          </a:p>
+        </p:txBody>
+      </p:sp>
+      <p:sp>
+        <p:nvSpPr>
+          <p:cNvPr id="12" name="Slide Number Placeholder 11"/>
+          <p:cNvSpPr>
+            <a:spLocks noGrp="1"/>
+          </p:cNvSpPr>
+          <p:nvPr>
+            <p:ph type="sldNum" sz="quarter" idx="12"/>
+          </p:nvPr>
+        </p:nvSpPr>
+        <p:spPr/>
+        <p:txBody>
+          <a:bodyPr/>
+          <a:lstStyle/>
+          <a:p>
+            <a:fld id="{0FF54DE5-C571-48E8-A5BC-B369434E2F44}" type="slidenum">
+              <a:rPr lang="en-US" smtClean="0"/>
+              <a:t>3</a:t>
+            </a:fld>
+            <a:endParaRPr lang="en-US"/>
           </a:p>
         </p:txBody>
       </p:sp>
@@ -18824,6 +19045,29 @@
           </a:p>
         </p:txBody>
       </p:sp>
+      <p:sp>
+        <p:nvSpPr>
+          <p:cNvPr id="9" name="Slide Number Placeholder 8"/>
+          <p:cNvSpPr>
+            <a:spLocks noGrp="1"/>
+          </p:cNvSpPr>
+          <p:nvPr>
+            <p:ph type="sldNum" sz="quarter" idx="12"/>
+          </p:nvPr>
+        </p:nvSpPr>
+        <p:spPr/>
+        <p:txBody>
+          <a:bodyPr/>
+          <a:lstStyle/>
+          <a:p>
+            <a:fld id="{0FF54DE5-C571-48E8-A5BC-B369434E2F44}" type="slidenum">
+              <a:rPr lang="en-US" smtClean="0"/>
+              <a:t>4</a:t>
+            </a:fld>
+            <a:endParaRPr lang="en-US"/>
+          </a:p>
+        </p:txBody>
+      </p:sp>
     </p:spTree>
     <p:extLst>
       <p:ext uri="{BB962C8B-B14F-4D97-AF65-F5344CB8AC3E}">
@@ -19330,6 +19574,29 @@
           </a:p>
         </p:txBody>
       </p:sp>
+      <p:sp>
+        <p:nvSpPr>
+          <p:cNvPr id="8" name="Slide Number Placeholder 7"/>
+          <p:cNvSpPr>
+            <a:spLocks noGrp="1"/>
+          </p:cNvSpPr>
+          <p:nvPr>
+            <p:ph type="sldNum" sz="quarter" idx="12"/>
+          </p:nvPr>
+        </p:nvSpPr>
+        <p:spPr/>
+        <p:txBody>
+          <a:bodyPr/>
+          <a:lstStyle/>
+          <a:p>
+            <a:fld id="{0FF54DE5-C571-48E8-A5BC-B369434E2F44}" type="slidenum">
+              <a:rPr lang="en-US" smtClean="0"/>
+              <a:t>5</a:t>
+            </a:fld>
+            <a:endParaRPr lang="en-US"/>
+          </a:p>
+        </p:txBody>
+      </p:sp>
     </p:spTree>
     <p:extLst>
       <p:ext uri="{BB962C8B-B14F-4D97-AF65-F5344CB8AC3E}">
@@ -20245,6 +20512,29 @@
               </a:rPr>
               <a:t>xoá</a:t>
             </a:r>
+          </a:p>
+        </p:txBody>
+      </p:sp>
+      <p:sp>
+        <p:nvSpPr>
+          <p:cNvPr id="8" name="Slide Number Placeholder 7"/>
+          <p:cNvSpPr>
+            <a:spLocks noGrp="1"/>
+          </p:cNvSpPr>
+          <p:nvPr>
+            <p:ph type="sldNum" sz="quarter" idx="12"/>
+          </p:nvPr>
+        </p:nvSpPr>
+        <p:spPr/>
+        <p:txBody>
+          <a:bodyPr/>
+          <a:lstStyle/>
+          <a:p>
+            <a:fld id="{0FF54DE5-C571-48E8-A5BC-B369434E2F44}" type="slidenum">
+              <a:rPr lang="en-US" smtClean="0"/>
+              <a:t>6</a:t>
+            </a:fld>
+            <a:endParaRPr lang="en-US"/>
           </a:p>
         </p:txBody>
       </p:sp>
@@ -20640,6 +20930,29 @@
           </a:prstGeom>
         </p:spPr>
       </p:pic>
+      <p:sp>
+        <p:nvSpPr>
+          <p:cNvPr id="8" name="Slide Number Placeholder 7"/>
+          <p:cNvSpPr>
+            <a:spLocks noGrp="1"/>
+          </p:cNvSpPr>
+          <p:nvPr>
+            <p:ph type="sldNum" sz="quarter" idx="12"/>
+          </p:nvPr>
+        </p:nvSpPr>
+        <p:spPr/>
+        <p:txBody>
+          <a:bodyPr/>
+          <a:lstStyle/>
+          <a:p>
+            <a:fld id="{0FF54DE5-C571-48E8-A5BC-B369434E2F44}" type="slidenum">
+              <a:rPr lang="en-US" smtClean="0"/>
+              <a:t>7</a:t>
+            </a:fld>
+            <a:endParaRPr lang="en-US"/>
+          </a:p>
+        </p:txBody>
+      </p:sp>
     </p:spTree>
     <p:extLst>
       <p:ext uri="{BB962C8B-B14F-4D97-AF65-F5344CB8AC3E}">
@@ -20998,6 +21311,29 @@
           </a:prstGeom>
         </p:spPr>
       </p:pic>
+      <p:sp>
+        <p:nvSpPr>
+          <p:cNvPr id="8" name="Slide Number Placeholder 7"/>
+          <p:cNvSpPr>
+            <a:spLocks noGrp="1"/>
+          </p:cNvSpPr>
+          <p:nvPr>
+            <p:ph type="sldNum" sz="quarter" idx="12"/>
+          </p:nvPr>
+        </p:nvSpPr>
+        <p:spPr/>
+        <p:txBody>
+          <a:bodyPr/>
+          <a:lstStyle/>
+          <a:p>
+            <a:fld id="{0FF54DE5-C571-48E8-A5BC-B369434E2F44}" type="slidenum">
+              <a:rPr lang="en-US" smtClean="0"/>
+              <a:t>8</a:t>
+            </a:fld>
+            <a:endParaRPr lang="en-US"/>
+          </a:p>
+        </p:txBody>
+      </p:sp>
     </p:spTree>
     <p:extLst>
       <p:ext uri="{BB962C8B-B14F-4D97-AF65-F5344CB8AC3E}">
@@ -21296,6 +21632,29 @@
           </a:prstGeom>
         </p:spPr>
       </p:pic>
+      <p:sp>
+        <p:nvSpPr>
+          <p:cNvPr id="8" name="Slide Number Placeholder 7"/>
+          <p:cNvSpPr>
+            <a:spLocks noGrp="1"/>
+          </p:cNvSpPr>
+          <p:nvPr>
+            <p:ph type="sldNum" sz="quarter" idx="12"/>
+          </p:nvPr>
+        </p:nvSpPr>
+        <p:spPr/>
+        <p:txBody>
+          <a:bodyPr/>
+          <a:lstStyle/>
+          <a:p>
+            <a:fld id="{0FF54DE5-C571-48E8-A5BC-B369434E2F44}" type="slidenum">
+              <a:rPr lang="en-US" smtClean="0"/>
+              <a:t>9</a:t>
+            </a:fld>
+            <a:endParaRPr lang="en-US"/>
+          </a:p>
+        </p:txBody>
+      </p:sp>
     </p:spTree>
     <p:extLst>
       <p:ext uri="{BB962C8B-B14F-4D97-AF65-F5344CB8AC3E}">

--- a/Website-jp-pp.pptx
+++ b/Website-jp-pp.pptx
@@ -7059,1140 +7059,620 @@
           <a:bodyPr/>
           <a:lstStyle/>
           <a:p>
-            <a:pPr marL="171450" indent="-171450">
+            <a:pPr marL="0" lvl="0" indent="0" algn="just" rtl="0">
+              <a:lnSpc>
+                <a:spcPct val="150000"/>
+              </a:lnSpc>
+              <a:spcBef>
+                <a:spcPts val="1300"/>
+              </a:spcBef>
+              <a:spcAft>
+                <a:spcPts val="0"/>
+              </a:spcAft>
+              <a:buClr>
+                <a:schemeClr val="dk1"/>
+              </a:buClr>
+              <a:buSzPts val="1100"/>
               <a:buFont typeface="Arial"/>
-              <a:buChar char="•"/>
+              <a:buNone/>
             </a:pPr>
             <a:r>
-              <a:rPr lang="en-US" err="1"/>
-              <a:t>Nền</a:t>
-            </a:r>
-            <a:r>
-              <a:rPr lang="en-US"/>
-              <a:t> </a:t>
-            </a:r>
-            <a:r>
-              <a:rPr lang="en-US" err="1"/>
-              <a:t>kinh</a:t>
-            </a:r>
-            <a:r>
-              <a:rPr lang="en-US"/>
-              <a:t> </a:t>
-            </a:r>
-            <a:r>
-              <a:rPr lang="en-US" err="1"/>
-              <a:t>tế</a:t>
-            </a:r>
-            <a:r>
-              <a:rPr lang="en-US"/>
-              <a:t> - </a:t>
-            </a:r>
-            <a:r>
-              <a:rPr lang="en-US" err="1"/>
-              <a:t>xã</a:t>
-            </a:r>
-            <a:r>
-              <a:rPr lang="en-US"/>
-              <a:t> </a:t>
-            </a:r>
-            <a:r>
-              <a:rPr lang="en-US" err="1"/>
-              <a:t>hội</a:t>
-            </a:r>
-            <a:r>
-              <a:rPr lang="en-US"/>
-              <a:t> </a:t>
-            </a:r>
-            <a:r>
-              <a:rPr lang="en-US" err="1"/>
-              <a:t>phát</a:t>
-            </a:r>
-            <a:r>
-              <a:rPr lang="en-US"/>
-              <a:t> </a:t>
-            </a:r>
-            <a:r>
-              <a:rPr lang="en-US" err="1"/>
-              <a:t>triển</a:t>
-            </a:r>
-            <a:r>
-              <a:rPr lang="en-US"/>
-              <a:t>, </a:t>
-            </a:r>
-            <a:r>
-              <a:rPr lang="en-US" err="1"/>
-              <a:t>ảnh</a:t>
-            </a:r>
-            <a:r>
-              <a:rPr lang="en-US"/>
-              <a:t> </a:t>
-            </a:r>
-            <a:r>
-              <a:rPr lang="en-US" err="1"/>
-              <a:t>hưởng</a:t>
-            </a:r>
-            <a:r>
-              <a:rPr lang="en-US"/>
-              <a:t> </a:t>
-            </a:r>
-            <a:r>
-              <a:rPr lang="en-US" err="1"/>
-              <a:t>sự</a:t>
-            </a:r>
-            <a:r>
-              <a:rPr lang="en-US"/>
-              <a:t> </a:t>
-            </a:r>
-            <a:r>
-              <a:rPr lang="en-US" err="1"/>
-              <a:t>hội</a:t>
-            </a:r>
-            <a:r>
-              <a:rPr lang="en-US"/>
-              <a:t> </a:t>
-            </a:r>
-            <a:r>
-              <a:rPr lang="en-US" err="1"/>
-              <a:t>nhập</a:t>
-            </a:r>
-            <a:r>
-              <a:rPr lang="en-US"/>
-              <a:t> </a:t>
-            </a:r>
-            <a:r>
-              <a:rPr lang="en-US" err="1"/>
-              <a:t>kinh</a:t>
-            </a:r>
-            <a:r>
-              <a:rPr lang="en-US"/>
-              <a:t> </a:t>
-            </a:r>
-            <a:r>
-              <a:rPr lang="en-US" err="1"/>
-              <a:t>tế</a:t>
-            </a:r>
-            <a:r>
-              <a:rPr lang="en-US"/>
-              <a:t> </a:t>
-            </a:r>
-            <a:r>
-              <a:rPr lang="en-US" err="1"/>
-              <a:t>quốc</a:t>
-            </a:r>
-            <a:r>
-              <a:rPr lang="en-US"/>
-              <a:t> </a:t>
-            </a:r>
-            <a:r>
-              <a:rPr lang="en-US" err="1"/>
-              <a:t>tế</a:t>
-            </a:r>
-            <a:r>
-              <a:rPr lang="en-US"/>
-              <a:t> </a:t>
-            </a:r>
-            <a:r>
-              <a:rPr lang="en-US" err="1"/>
-              <a:t>và</a:t>
-            </a:r>
-            <a:r>
-              <a:rPr lang="en-US"/>
-              <a:t> </a:t>
-            </a:r>
-            <a:r>
-              <a:rPr lang="en-US" err="1"/>
-              <a:t>toàn</a:t>
-            </a:r>
-            <a:r>
-              <a:rPr lang="en-US"/>
-              <a:t> </a:t>
-            </a:r>
-            <a:r>
-              <a:rPr lang="en-US" err="1"/>
-              <a:t>cầu</a:t>
-            </a:r>
-            <a:r>
-              <a:rPr lang="en-US"/>
-              <a:t> </a:t>
-            </a:r>
-            <a:r>
-              <a:rPr lang="en-US" err="1"/>
-              <a:t>hoá</a:t>
-            </a:r>
-            <a:endParaRPr lang="vi-VN" err="1"/>
-          </a:p>
-          <a:p>
-            <a:r>
-              <a:rPr lang="en-US"/>
-              <a:t>⇒ </a:t>
-            </a:r>
-            <a:r>
-              <a:rPr lang="en-US" err="1"/>
-              <a:t>Ngoại</a:t>
-            </a:r>
-            <a:r>
-              <a:rPr lang="en-US"/>
-              <a:t> </a:t>
-            </a:r>
-            <a:r>
-              <a:rPr lang="en-US" err="1"/>
-              <a:t>ngữ</a:t>
-            </a:r>
-            <a:r>
-              <a:rPr lang="en-US"/>
-              <a:t> </a:t>
-            </a:r>
-            <a:r>
-              <a:rPr lang="en-US" err="1"/>
-              <a:t>đóng</a:t>
-            </a:r>
-            <a:r>
-              <a:rPr lang="en-US"/>
-              <a:t> </a:t>
-            </a:r>
-            <a:r>
-              <a:rPr lang="en-US" err="1"/>
-              <a:t>vai</a:t>
-            </a:r>
-            <a:r>
-              <a:rPr lang="en-US"/>
-              <a:t> </a:t>
-            </a:r>
-            <a:r>
-              <a:rPr lang="en-US" err="1"/>
-              <a:t>trò</a:t>
-            </a:r>
-            <a:r>
-              <a:rPr lang="en-US"/>
-              <a:t> </a:t>
-            </a:r>
-            <a:r>
-              <a:rPr lang="en-US" err="1"/>
-              <a:t>vô</a:t>
-            </a:r>
-            <a:r>
-              <a:rPr lang="en-US"/>
-              <a:t> </a:t>
-            </a:r>
-            <a:r>
-              <a:rPr lang="en-US" err="1"/>
-              <a:t>cùng</a:t>
-            </a:r>
-            <a:r>
-              <a:rPr lang="en-US"/>
-              <a:t> </a:t>
-            </a:r>
-            <a:r>
-              <a:rPr lang="en-US" err="1"/>
-              <a:t>quan</a:t>
-            </a:r>
-            <a:r>
-              <a:rPr lang="en-US"/>
-              <a:t> </a:t>
-            </a:r>
-            <a:r>
-              <a:rPr lang="en-US" err="1"/>
-              <a:t>trọng</a:t>
-            </a:r>
-          </a:p>
-          <a:p>
-            <a:pPr marL="171450" indent="-171450">
+              <a:rPr lang="vi-VN" dirty="0" smtClean="0">
+                <a:solidFill>
+                  <a:schemeClr val="dk1"/>
+                </a:solidFill>
+              </a:rPr>
+              <a:t>Các chức năng chính:</a:t>
+            </a:r>
+          </a:p>
+          <a:p>
+            <a:pPr marL="0" lvl="0" indent="-228600" algn="just" rtl="0">
+              <a:lnSpc>
+                <a:spcPct val="150000"/>
+              </a:lnSpc>
+              <a:spcBef>
+                <a:spcPts val="1300"/>
+              </a:spcBef>
+              <a:spcAft>
+                <a:spcPts val="0"/>
+              </a:spcAft>
+              <a:buClr>
+                <a:schemeClr val="dk1"/>
+              </a:buClr>
+              <a:buSzPts val="1100"/>
               <a:buFont typeface="Arial"/>
-              <a:buChar char="•"/>
+              <a:buNone/>
             </a:pPr>
             <a:r>
-              <a:rPr lang="en-US" err="1"/>
-              <a:t>Tiếng</a:t>
-            </a:r>
-            <a:r>
-              <a:rPr lang="en-US"/>
-              <a:t> Anh </a:t>
-            </a:r>
-            <a:r>
-              <a:rPr lang="en-US" err="1"/>
-              <a:t>là</a:t>
-            </a:r>
-            <a:r>
-              <a:rPr lang="en-US"/>
-              <a:t> </a:t>
-            </a:r>
-            <a:r>
-              <a:rPr lang="en-US" err="1"/>
-              <a:t>ngoại</a:t>
-            </a:r>
-            <a:r>
-              <a:rPr lang="en-US"/>
-              <a:t> </a:t>
-            </a:r>
-            <a:r>
-              <a:rPr lang="en-US" err="1"/>
-              <a:t>ngữ</a:t>
-            </a:r>
-            <a:r>
-              <a:rPr lang="en-US"/>
-              <a:t> </a:t>
-            </a:r>
-            <a:r>
-              <a:rPr lang="en-US" err="1"/>
-              <a:t>có</a:t>
-            </a:r>
-            <a:r>
-              <a:rPr lang="en-US"/>
-              <a:t> </a:t>
-            </a:r>
-            <a:r>
-              <a:rPr lang="en-US" err="1"/>
-              <a:t>thể</a:t>
-            </a:r>
-            <a:r>
-              <a:rPr lang="en-US"/>
-              <a:t> </a:t>
-            </a:r>
-            <a:r>
-              <a:rPr lang="en-US" err="1"/>
-              <a:t>nói</a:t>
-            </a:r>
-            <a:r>
-              <a:rPr lang="en-US"/>
-              <a:t> </a:t>
-            </a:r>
-            <a:r>
-              <a:rPr lang="en-US" err="1"/>
-              <a:t>là</a:t>
-            </a:r>
-            <a:r>
-              <a:rPr lang="en-US"/>
-              <a:t> </a:t>
-            </a:r>
-            <a:r>
-              <a:rPr lang="en-US" err="1"/>
-              <a:t>không</a:t>
-            </a:r>
-            <a:r>
-              <a:rPr lang="en-US"/>
-              <a:t> </a:t>
-            </a:r>
-            <a:r>
-              <a:rPr lang="en-US" err="1"/>
-              <a:t>thể</a:t>
-            </a:r>
-            <a:r>
-              <a:rPr lang="en-US"/>
-              <a:t> </a:t>
-            </a:r>
-            <a:r>
-              <a:rPr lang="en-US" err="1"/>
-              <a:t>thiếu</a:t>
-            </a:r>
-            <a:r>
-              <a:rPr lang="en-US"/>
-              <a:t> </a:t>
-            </a:r>
-            <a:r>
-              <a:rPr lang="en-US" err="1"/>
-              <a:t>với</a:t>
-            </a:r>
-            <a:r>
-              <a:rPr lang="en-US"/>
-              <a:t> </a:t>
-            </a:r>
-            <a:r>
-              <a:rPr lang="en-US" err="1"/>
-              <a:t>cá</a:t>
-            </a:r>
-            <a:r>
-              <a:rPr lang="en-US"/>
-              <a:t> </a:t>
-            </a:r>
-            <a:r>
-              <a:rPr lang="en-US" err="1"/>
-              <a:t>nhân</a:t>
-            </a:r>
-            <a:r>
-              <a:rPr lang="en-US"/>
-              <a:t>, </a:t>
-            </a:r>
-            <a:r>
-              <a:rPr lang="en-US" err="1"/>
-              <a:t>tổ</a:t>
-            </a:r>
-            <a:r>
-              <a:rPr lang="en-US"/>
-              <a:t> </a:t>
-            </a:r>
-            <a:r>
-              <a:rPr lang="en-US" err="1"/>
-              <a:t>chức</a:t>
-            </a:r>
-            <a:r>
-              <a:rPr lang="en-US"/>
-              <a:t> </a:t>
-            </a:r>
-            <a:r>
-              <a:rPr lang="en-US" err="1"/>
-              <a:t>nào</a:t>
-            </a:r>
-            <a:r>
-              <a:rPr lang="en-US"/>
-              <a:t>. Tuy </a:t>
-            </a:r>
-            <a:r>
-              <a:rPr lang="en-US" err="1"/>
-              <a:t>nhiên</a:t>
-            </a:r>
-            <a:r>
-              <a:rPr lang="en-US"/>
-              <a:t> </a:t>
-            </a:r>
-            <a:r>
-              <a:rPr lang="en-US" err="1"/>
-              <a:t>với</a:t>
-            </a:r>
-            <a:r>
-              <a:rPr lang="en-US"/>
-              <a:t> </a:t>
-            </a:r>
-            <a:r>
-              <a:rPr lang="en-US" err="1"/>
-              <a:t>hiện</a:t>
-            </a:r>
-            <a:r>
-              <a:rPr lang="en-US"/>
-              <a:t> </a:t>
-            </a:r>
-            <a:r>
-              <a:rPr lang="en-US" err="1"/>
-              <a:t>tại</a:t>
-            </a:r>
-            <a:r>
-              <a:rPr lang="en-US"/>
-              <a:t>, </a:t>
-            </a:r>
-            <a:r>
-              <a:rPr lang="en-US" err="1"/>
-              <a:t>có</a:t>
-            </a:r>
-            <a:r>
-              <a:rPr lang="en-US"/>
-              <a:t> </a:t>
-            </a:r>
-            <a:r>
-              <a:rPr lang="en-US" err="1"/>
-              <a:t>lẽ</a:t>
-            </a:r>
-            <a:r>
-              <a:rPr lang="en-US"/>
-              <a:t> </a:t>
-            </a:r>
-            <a:r>
-              <a:rPr lang="en-US" err="1"/>
-              <a:t>là</a:t>
-            </a:r>
-            <a:r>
-              <a:rPr lang="en-US"/>
-              <a:t> </a:t>
-            </a:r>
-            <a:r>
-              <a:rPr lang="en-US" err="1"/>
-              <a:t>không</a:t>
-            </a:r>
-            <a:r>
-              <a:rPr lang="en-US"/>
-              <a:t> </a:t>
-            </a:r>
-            <a:r>
-              <a:rPr lang="en-US" err="1"/>
-              <a:t>đủ</a:t>
-            </a:r>
-          </a:p>
-          <a:p>
-            <a:r>
-              <a:rPr lang="en-US"/>
-              <a:t>⇒ </a:t>
-            </a:r>
-            <a:r>
-              <a:rPr lang="en-US" err="1"/>
-              <a:t>Tiếng</a:t>
-            </a:r>
-            <a:r>
-              <a:rPr lang="en-US"/>
-              <a:t> </a:t>
-            </a:r>
-            <a:r>
-              <a:rPr lang="en-US" err="1"/>
-              <a:t>Nhật</a:t>
-            </a:r>
-            <a:r>
-              <a:rPr lang="en-US"/>
-              <a:t> </a:t>
-            </a:r>
-            <a:r>
-              <a:rPr lang="en-US" err="1"/>
-              <a:t>là</a:t>
-            </a:r>
-            <a:r>
-              <a:rPr lang="en-US"/>
-              <a:t> </a:t>
-            </a:r>
-            <a:r>
-              <a:rPr lang="en-US" err="1"/>
-              <a:t>lựa</a:t>
-            </a:r>
-            <a:r>
-              <a:rPr lang="en-US"/>
-              <a:t> </a:t>
-            </a:r>
-            <a:r>
-              <a:rPr lang="en-US" err="1"/>
-              <a:t>chọn</a:t>
-            </a:r>
-            <a:r>
-              <a:rPr lang="en-US"/>
-              <a:t> </a:t>
-            </a:r>
-            <a:r>
-              <a:rPr lang="en-US" err="1"/>
-              <a:t>phù</a:t>
-            </a:r>
-            <a:r>
-              <a:rPr lang="en-US"/>
-              <a:t> </a:t>
-            </a:r>
-            <a:r>
-              <a:rPr lang="en-US" err="1"/>
-              <a:t>hợp</a:t>
-            </a:r>
-            <a:r>
-              <a:rPr lang="en-US"/>
-              <a:t> </a:t>
-            </a:r>
-            <a:r>
-              <a:rPr lang="en-US" err="1"/>
-              <a:t>tiếp</a:t>
-            </a:r>
-            <a:r>
-              <a:rPr lang="en-US"/>
-              <a:t> </a:t>
-            </a:r>
-            <a:r>
-              <a:rPr lang="en-US" err="1"/>
-              <a:t>theo</a:t>
-            </a:r>
-            <a:r>
-              <a:rPr lang="en-US"/>
-              <a:t> </a:t>
-            </a:r>
-            <a:r>
-              <a:rPr lang="en-US" err="1"/>
-              <a:t>mà</a:t>
-            </a:r>
-            <a:r>
-              <a:rPr lang="en-US"/>
-              <a:t> </a:t>
-            </a:r>
-            <a:r>
-              <a:rPr lang="en-US" err="1"/>
-              <a:t>chúng</a:t>
-            </a:r>
-            <a:r>
-              <a:rPr lang="en-US"/>
-              <a:t> ta </a:t>
-            </a:r>
-            <a:r>
-              <a:rPr lang="en-US" err="1"/>
-              <a:t>có</a:t>
-            </a:r>
-            <a:r>
-              <a:rPr lang="en-US"/>
-              <a:t> </a:t>
-            </a:r>
-            <a:r>
-              <a:rPr lang="en-US" err="1"/>
-              <a:t>thể</a:t>
-            </a:r>
-            <a:r>
-              <a:rPr lang="en-US"/>
-              <a:t> </a:t>
-            </a:r>
-            <a:r>
-              <a:rPr lang="en-US" err="1"/>
-              <a:t>hướng</a:t>
-            </a:r>
-            <a:r>
-              <a:rPr lang="en-US"/>
-              <a:t> </a:t>
-            </a:r>
-            <a:r>
-              <a:rPr lang="en-US" err="1"/>
-              <a:t>đến</a:t>
-            </a:r>
-          </a:p>
-          <a:p>
-            <a:pPr marL="171450" indent="-171450">
+              <a:rPr lang="vi-VN" dirty="0" smtClean="0">
+                <a:solidFill>
+                  <a:schemeClr val="dk1"/>
+                </a:solidFill>
+                <a:latin typeface="Times New Roman"/>
+                <a:ea typeface="Times New Roman"/>
+                <a:cs typeface="Times New Roman"/>
+                <a:sym typeface="Times New Roman"/>
+              </a:rPr>
+              <a:t>-</a:t>
+            </a:r>
+            <a:r>
+              <a:rPr lang="vi-VN" sz="800" dirty="0" smtClean="0">
+                <a:solidFill>
+                  <a:schemeClr val="dk1"/>
+                </a:solidFill>
+                <a:latin typeface="Times New Roman"/>
+                <a:ea typeface="Times New Roman"/>
+                <a:cs typeface="Times New Roman"/>
+                <a:sym typeface="Times New Roman"/>
+              </a:rPr>
+              <a:t>          </a:t>
+            </a:r>
+            <a:r>
+              <a:rPr lang="vi-VN" dirty="0" smtClean="0">
+                <a:solidFill>
+                  <a:schemeClr val="dk1"/>
+                </a:solidFill>
+                <a:latin typeface="Times New Roman"/>
+                <a:ea typeface="Times New Roman"/>
+                <a:cs typeface="Times New Roman"/>
+                <a:sym typeface="Times New Roman"/>
+              </a:rPr>
+              <a:t>Khoá học theo các chủ đề</a:t>
+            </a:r>
+          </a:p>
+          <a:p>
+            <a:pPr marL="0" lvl="0" indent="-228600" algn="just" rtl="0">
+              <a:lnSpc>
+                <a:spcPct val="150000"/>
+              </a:lnSpc>
+              <a:spcBef>
+                <a:spcPts val="1300"/>
+              </a:spcBef>
+              <a:spcAft>
+                <a:spcPts val="0"/>
+              </a:spcAft>
+              <a:buClr>
+                <a:schemeClr val="dk1"/>
+              </a:buClr>
+              <a:buSzPts val="1100"/>
               <a:buFont typeface="Arial"/>
-              <a:buChar char="•"/>
+              <a:buNone/>
             </a:pPr>
             <a:r>
-              <a:rPr lang="en-US" err="1"/>
-              <a:t>Lý</a:t>
-            </a:r>
-            <a:r>
-              <a:rPr lang="en-US"/>
-              <a:t> do: </a:t>
-            </a:r>
-          </a:p>
-          <a:p>
-            <a:pPr marL="628650" lvl="1" indent="-171450">
+              <a:rPr lang="vi-VN" dirty="0" smtClean="0">
+                <a:solidFill>
+                  <a:schemeClr val="dk1"/>
+                </a:solidFill>
+                <a:latin typeface="Times New Roman"/>
+                <a:ea typeface="Times New Roman"/>
+                <a:cs typeface="Times New Roman"/>
+                <a:sym typeface="Times New Roman"/>
+              </a:rPr>
+              <a:t>-</a:t>
+            </a:r>
+            <a:r>
+              <a:rPr lang="vi-VN" sz="800" dirty="0" smtClean="0">
+                <a:solidFill>
+                  <a:schemeClr val="dk1"/>
+                </a:solidFill>
+                <a:latin typeface="Times New Roman"/>
+                <a:ea typeface="Times New Roman"/>
+                <a:cs typeface="Times New Roman"/>
+                <a:sym typeface="Times New Roman"/>
+              </a:rPr>
+              <a:t>          </a:t>
+            </a:r>
+            <a:r>
+              <a:rPr lang="vi-VN" dirty="0" smtClean="0">
+                <a:solidFill>
+                  <a:schemeClr val="dk1"/>
+                </a:solidFill>
+                <a:latin typeface="Times New Roman"/>
+                <a:ea typeface="Times New Roman"/>
+                <a:cs typeface="Times New Roman"/>
+                <a:sym typeface="Times New Roman"/>
+              </a:rPr>
+              <a:t>Học các bảng chữ cái</a:t>
+            </a:r>
+          </a:p>
+          <a:p>
+            <a:pPr marL="0" lvl="0" indent="-228600" algn="just" rtl="0">
+              <a:lnSpc>
+                <a:spcPct val="150000"/>
+              </a:lnSpc>
+              <a:spcBef>
+                <a:spcPts val="1300"/>
+              </a:spcBef>
+              <a:spcAft>
+                <a:spcPts val="0"/>
+              </a:spcAft>
+              <a:buClr>
+                <a:schemeClr val="dk1"/>
+              </a:buClr>
+              <a:buSzPts val="1100"/>
               <a:buFont typeface="Arial"/>
-              <a:buChar char="•"/>
+              <a:buNone/>
             </a:pPr>
             <a:r>
-              <a:rPr lang="en-US" err="1"/>
-              <a:t>Tăng</a:t>
-            </a:r>
-            <a:r>
-              <a:rPr lang="en-US"/>
-              <a:t> </a:t>
-            </a:r>
-            <a:r>
-              <a:rPr lang="en-US" err="1"/>
-              <a:t>thêm</a:t>
-            </a:r>
-            <a:r>
-              <a:rPr lang="en-US"/>
-              <a:t> </a:t>
-            </a:r>
-            <a:r>
-              <a:rPr lang="en-US" err="1"/>
-              <a:t>cơ</a:t>
-            </a:r>
-            <a:r>
-              <a:rPr lang="en-US"/>
-              <a:t> </a:t>
-            </a:r>
-            <a:r>
-              <a:rPr lang="en-US" err="1"/>
-              <a:t>hội</a:t>
-            </a:r>
-            <a:r>
-              <a:rPr lang="en-US"/>
-              <a:t> </a:t>
-            </a:r>
-            <a:r>
-              <a:rPr lang="en-US" err="1"/>
-              <a:t>trong</a:t>
-            </a:r>
-            <a:r>
-              <a:rPr lang="en-US"/>
-              <a:t> </a:t>
-            </a:r>
-            <a:r>
-              <a:rPr lang="en-US" err="1"/>
-              <a:t>việc</a:t>
-            </a:r>
-            <a:r>
-              <a:rPr lang="en-US"/>
-              <a:t> </a:t>
-            </a:r>
-            <a:r>
-              <a:rPr lang="en-US" err="1"/>
-              <a:t>làm</a:t>
-            </a:r>
-            <a:r>
-              <a:rPr lang="en-US"/>
-              <a:t>, </a:t>
-            </a:r>
-            <a:r>
-              <a:rPr lang="en-US" err="1"/>
-              <a:t>mức</a:t>
-            </a:r>
-            <a:r>
-              <a:rPr lang="en-US"/>
-              <a:t> </a:t>
-            </a:r>
-            <a:r>
-              <a:rPr lang="en-US" err="1"/>
-              <a:t>lương</a:t>
-            </a:r>
-            <a:r>
-              <a:rPr lang="en-US"/>
-              <a:t> </a:t>
-            </a:r>
-            <a:r>
-              <a:rPr lang="en-US" err="1"/>
-              <a:t>thưởng</a:t>
-            </a:r>
-            <a:r>
-              <a:rPr lang="en-US"/>
-              <a:t> </a:t>
-            </a:r>
-            <a:r>
-              <a:rPr lang="en-US" err="1"/>
-              <a:t>hấp</a:t>
-            </a:r>
-            <a:r>
-              <a:rPr lang="en-US"/>
-              <a:t> </a:t>
-            </a:r>
-            <a:r>
-              <a:rPr lang="en-US" err="1"/>
-              <a:t>dẫn</a:t>
-            </a:r>
-          </a:p>
-          <a:p>
-            <a:pPr marL="628650" lvl="1" indent="-171450">
+              <a:rPr lang="vi-VN" dirty="0" smtClean="0">
+                <a:solidFill>
+                  <a:schemeClr val="dk1"/>
+                </a:solidFill>
+                <a:latin typeface="Times New Roman"/>
+                <a:ea typeface="Times New Roman"/>
+                <a:cs typeface="Times New Roman"/>
+                <a:sym typeface="Times New Roman"/>
+              </a:rPr>
+              <a:t>-</a:t>
+            </a:r>
+            <a:r>
+              <a:rPr lang="vi-VN" sz="800" dirty="0" smtClean="0">
+                <a:solidFill>
+                  <a:schemeClr val="dk1"/>
+                </a:solidFill>
+                <a:latin typeface="Times New Roman"/>
+                <a:ea typeface="Times New Roman"/>
+                <a:cs typeface="Times New Roman"/>
+                <a:sym typeface="Times New Roman"/>
+              </a:rPr>
+              <a:t>          </a:t>
+            </a:r>
+            <a:r>
+              <a:rPr lang="vi-VN" dirty="0" smtClean="0">
+                <a:solidFill>
+                  <a:schemeClr val="dk1"/>
+                </a:solidFill>
+                <a:latin typeface="Times New Roman"/>
+                <a:ea typeface="Times New Roman"/>
+                <a:cs typeface="Times New Roman"/>
+                <a:sym typeface="Times New Roman"/>
+              </a:rPr>
+              <a:t>Forum thảo luận</a:t>
+            </a:r>
+          </a:p>
+          <a:p>
+            <a:pPr marL="0" lvl="0" indent="-228600" algn="just" rtl="0">
+              <a:lnSpc>
+                <a:spcPct val="150000"/>
+              </a:lnSpc>
+              <a:spcBef>
+                <a:spcPts val="1300"/>
+              </a:spcBef>
+              <a:spcAft>
+                <a:spcPts val="0"/>
+              </a:spcAft>
+              <a:buClr>
+                <a:schemeClr val="dk1"/>
+              </a:buClr>
+              <a:buSzPts val="1100"/>
               <a:buFont typeface="Arial"/>
-              <a:buChar char="•"/>
+              <a:buNone/>
             </a:pPr>
             <a:r>
-              <a:rPr lang="en-US" err="1"/>
-              <a:t>Hiểu</a:t>
-            </a:r>
-            <a:r>
-              <a:rPr lang="en-US"/>
-              <a:t> </a:t>
-            </a:r>
-            <a:r>
-              <a:rPr lang="en-US" err="1"/>
-              <a:t>thêm</a:t>
-            </a:r>
-            <a:r>
-              <a:rPr lang="en-US"/>
-              <a:t> </a:t>
-            </a:r>
-            <a:r>
-              <a:rPr lang="en-US" err="1"/>
-              <a:t>được</a:t>
-            </a:r>
-            <a:r>
-              <a:rPr lang="en-US"/>
-              <a:t> </a:t>
-            </a:r>
-            <a:r>
-              <a:rPr lang="en-US" err="1"/>
-              <a:t>văn</a:t>
-            </a:r>
-            <a:r>
-              <a:rPr lang="en-US"/>
-              <a:t> </a:t>
-            </a:r>
-            <a:r>
-              <a:rPr lang="en-US" err="1"/>
-              <a:t>hoá</a:t>
-            </a:r>
-            <a:r>
-              <a:rPr lang="en-US"/>
-              <a:t>, con </a:t>
-            </a:r>
-            <a:r>
-              <a:rPr lang="en-US" err="1"/>
-              <a:t>người</a:t>
-            </a:r>
-            <a:r>
-              <a:rPr lang="en-US"/>
-              <a:t> </a:t>
-            </a:r>
-            <a:r>
-              <a:rPr lang="en-US" err="1"/>
-              <a:t>Nhât</a:t>
-            </a:r>
-            <a:r>
-              <a:rPr lang="en-US"/>
-              <a:t> - </a:t>
-            </a:r>
-            <a:r>
-              <a:rPr lang="en-US" err="1"/>
-              <a:t>đất</a:t>
-            </a:r>
-            <a:r>
-              <a:rPr lang="en-US"/>
-              <a:t> </a:t>
-            </a:r>
-            <a:r>
-              <a:rPr lang="en-US" err="1"/>
-              <a:t>nước</a:t>
-            </a:r>
-            <a:r>
-              <a:rPr lang="en-US"/>
-              <a:t> </a:t>
-            </a:r>
-            <a:r>
-              <a:rPr lang="en-US" err="1"/>
-              <a:t>mà</a:t>
-            </a:r>
-            <a:r>
-              <a:rPr lang="en-US"/>
-              <a:t> </a:t>
-            </a:r>
-            <a:r>
-              <a:rPr lang="en-US" err="1"/>
-              <a:t>chúng</a:t>
-            </a:r>
-            <a:r>
-              <a:rPr lang="en-US"/>
-              <a:t> ta </a:t>
-            </a:r>
-            <a:r>
-              <a:rPr lang="en-US" err="1"/>
-              <a:t>nên</a:t>
-            </a:r>
-            <a:r>
-              <a:rPr lang="en-US"/>
-              <a:t> </a:t>
-            </a:r>
-            <a:r>
-              <a:rPr lang="en-US" err="1"/>
-              <a:t>noi</a:t>
-            </a:r>
-            <a:r>
-              <a:rPr lang="en-US"/>
-              <a:t> </a:t>
-            </a:r>
-            <a:r>
-              <a:rPr lang="en-US" err="1"/>
-              <a:t>theo</a:t>
-            </a:r>
-            <a:endParaRPr lang="en-US"/>
-          </a:p>
-          <a:p>
-            <a:pPr marL="628650" lvl="1" indent="-171450">
+              <a:rPr lang="vi-VN" dirty="0" smtClean="0">
+                <a:solidFill>
+                  <a:schemeClr val="dk1"/>
+                </a:solidFill>
+                <a:latin typeface="Times New Roman"/>
+                <a:ea typeface="Times New Roman"/>
+                <a:cs typeface="Times New Roman"/>
+                <a:sym typeface="Times New Roman"/>
+              </a:rPr>
+              <a:t>-</a:t>
+            </a:r>
+            <a:r>
+              <a:rPr lang="vi-VN" sz="800" dirty="0" smtClean="0">
+                <a:solidFill>
+                  <a:schemeClr val="dk1"/>
+                </a:solidFill>
+                <a:latin typeface="Times New Roman"/>
+                <a:ea typeface="Times New Roman"/>
+                <a:cs typeface="Times New Roman"/>
+                <a:sym typeface="Times New Roman"/>
+              </a:rPr>
+              <a:t>          </a:t>
+            </a:r>
+            <a:r>
+              <a:rPr lang="vi-VN" dirty="0" smtClean="0">
+                <a:solidFill>
+                  <a:schemeClr val="dk1"/>
+                </a:solidFill>
+                <a:latin typeface="Times New Roman"/>
+                <a:ea typeface="Times New Roman"/>
+                <a:cs typeface="Times New Roman"/>
+                <a:sym typeface="Times New Roman"/>
+              </a:rPr>
+              <a:t>Ôn tập, bài tập kiểm tra</a:t>
+            </a:r>
+          </a:p>
+          <a:p>
+            <a:pPr marL="0" lvl="0" indent="-228600" algn="just" rtl="0">
+              <a:lnSpc>
+                <a:spcPct val="150000"/>
+              </a:lnSpc>
+              <a:spcBef>
+                <a:spcPts val="1300"/>
+              </a:spcBef>
+              <a:spcAft>
+                <a:spcPts val="0"/>
+              </a:spcAft>
+              <a:buClr>
+                <a:schemeClr val="dk1"/>
+              </a:buClr>
+              <a:buSzPts val="1100"/>
               <a:buFont typeface="Arial"/>
-              <a:buChar char="•"/>
+              <a:buNone/>
             </a:pPr>
             <a:r>
-              <a:rPr lang="en-US" err="1"/>
-              <a:t>Có</a:t>
-            </a:r>
-            <a:r>
-              <a:rPr lang="en-US"/>
-              <a:t> </a:t>
-            </a:r>
-            <a:r>
-              <a:rPr lang="en-US" err="1"/>
-              <a:t>những</a:t>
-            </a:r>
-            <a:r>
-              <a:rPr lang="en-US"/>
-              <a:t> </a:t>
-            </a:r>
-            <a:r>
-              <a:rPr lang="en-US" err="1"/>
-              <a:t>nét</a:t>
-            </a:r>
-            <a:r>
-              <a:rPr lang="en-US"/>
-              <a:t> </a:t>
-            </a:r>
-            <a:r>
-              <a:rPr lang="en-US" err="1"/>
-              <a:t>tương</a:t>
-            </a:r>
-            <a:r>
-              <a:rPr lang="en-US"/>
-              <a:t> </a:t>
-            </a:r>
-            <a:r>
-              <a:rPr lang="en-US" err="1"/>
-              <a:t>đồng</a:t>
-            </a:r>
-            <a:r>
-              <a:rPr lang="en-US"/>
-              <a:t> </a:t>
-            </a:r>
-            <a:r>
-              <a:rPr lang="en-US" err="1"/>
-              <a:t>giữa</a:t>
-            </a:r>
-            <a:r>
-              <a:rPr lang="en-US"/>
-              <a:t> </a:t>
-            </a:r>
-            <a:r>
-              <a:rPr lang="en-US" err="1"/>
-              <a:t>hai</a:t>
-            </a:r>
-            <a:r>
-              <a:rPr lang="en-US"/>
-              <a:t> </a:t>
-            </a:r>
-            <a:r>
-              <a:rPr lang="en-US" err="1"/>
-              <a:t>đất</a:t>
-            </a:r>
-            <a:r>
-              <a:rPr lang="en-US"/>
-              <a:t> </a:t>
-            </a:r>
-            <a:r>
-              <a:rPr lang="en-US" err="1"/>
-              <a:t>nước</a:t>
-            </a:r>
-            <a:endParaRPr lang="en-US"/>
-          </a:p>
-          <a:p>
-            <a:pPr lvl="1"/>
-            <a:r>
-              <a:rPr lang="en-US"/>
-              <a:t>⇒  </a:t>
-            </a:r>
-            <a:r>
-              <a:rPr lang="en-US" err="1"/>
-              <a:t>Vì</a:t>
-            </a:r>
-            <a:r>
-              <a:rPr lang="en-US"/>
-              <a:t> </a:t>
-            </a:r>
-            <a:r>
-              <a:rPr lang="en-US" err="1"/>
-              <a:t>vậy</a:t>
-            </a:r>
-            <a:r>
-              <a:rPr lang="en-US"/>
-              <a:t> </a:t>
-            </a:r>
-            <a:r>
-              <a:rPr lang="en-US" err="1"/>
-              <a:t>để</a:t>
-            </a:r>
-            <a:r>
-              <a:rPr lang="en-US"/>
-              <a:t> </a:t>
-            </a:r>
-            <a:r>
-              <a:rPr lang="en-US" err="1"/>
-              <a:t>có</a:t>
-            </a:r>
-            <a:r>
-              <a:rPr lang="en-US"/>
-              <a:t> </a:t>
-            </a:r>
-            <a:r>
-              <a:rPr lang="en-US" err="1"/>
-              <a:t>được</a:t>
-            </a:r>
-            <a:r>
-              <a:rPr lang="en-US"/>
-              <a:t> </a:t>
-            </a:r>
-            <a:r>
-              <a:rPr lang="en-US" err="1"/>
-              <a:t>một</a:t>
-            </a:r>
-            <a:r>
-              <a:rPr lang="en-US"/>
-              <a:t> </a:t>
-            </a:r>
-            <a:r>
-              <a:rPr lang="en-US" err="1"/>
-              <a:t>cách</a:t>
-            </a:r>
-            <a:r>
-              <a:rPr lang="en-US"/>
-              <a:t> </a:t>
-            </a:r>
-            <a:r>
-              <a:rPr lang="en-US" err="1"/>
-              <a:t>tự</a:t>
-            </a:r>
-            <a:r>
-              <a:rPr lang="en-US"/>
-              <a:t> </a:t>
-            </a:r>
-            <a:r>
-              <a:rPr lang="en-US" err="1"/>
-              <a:t>chủ</a:t>
-            </a:r>
-            <a:r>
-              <a:rPr lang="en-US"/>
-              <a:t> </a:t>
-            </a:r>
-            <a:r>
-              <a:rPr lang="en-US" err="1"/>
-              <a:t>trong</a:t>
-            </a:r>
-            <a:r>
-              <a:rPr lang="en-US"/>
-              <a:t> </a:t>
-            </a:r>
-            <a:r>
-              <a:rPr lang="en-US" err="1"/>
-              <a:t>việc</a:t>
-            </a:r>
-            <a:r>
-              <a:rPr lang="en-US"/>
-              <a:t> </a:t>
-            </a:r>
-            <a:r>
-              <a:rPr lang="en-US" err="1"/>
-              <a:t>học</a:t>
-            </a:r>
-            <a:r>
-              <a:rPr lang="en-US"/>
-              <a:t> </a:t>
-            </a:r>
-            <a:r>
-              <a:rPr lang="en-US" err="1"/>
-              <a:t>tập</a:t>
-            </a:r>
-            <a:r>
-              <a:rPr lang="en-US"/>
-              <a:t> </a:t>
-            </a:r>
-            <a:r>
-              <a:rPr lang="en-US" err="1"/>
-              <a:t>tiếng</a:t>
-            </a:r>
-            <a:r>
-              <a:rPr lang="en-US"/>
-              <a:t> </a:t>
-            </a:r>
-            <a:r>
-              <a:rPr lang="en-US" err="1"/>
-              <a:t>Nhật</a:t>
-            </a:r>
-            <a:r>
-              <a:rPr lang="en-US"/>
-              <a:t> ta </a:t>
-            </a:r>
-            <a:r>
-              <a:rPr lang="en-US" err="1"/>
-              <a:t>rất</a:t>
-            </a:r>
-            <a:r>
-              <a:rPr lang="en-US"/>
-              <a:t> </a:t>
-            </a:r>
-            <a:r>
-              <a:rPr lang="en-US" err="1"/>
-              <a:t>cần</a:t>
-            </a:r>
-            <a:r>
-              <a:rPr lang="en-US"/>
-              <a:t> </a:t>
-            </a:r>
-            <a:r>
-              <a:rPr lang="en-US" err="1"/>
-              <a:t>một</a:t>
-            </a:r>
-            <a:r>
-              <a:rPr lang="en-US"/>
-              <a:t> website, </a:t>
-            </a:r>
-            <a:r>
-              <a:rPr lang="en-US" err="1"/>
-              <a:t>mà</a:t>
-            </a:r>
-            <a:r>
-              <a:rPr lang="en-US"/>
-              <a:t> ở </a:t>
-            </a:r>
-            <a:r>
-              <a:rPr lang="en-US" err="1"/>
-              <a:t>đó</a:t>
-            </a:r>
-            <a:r>
-              <a:rPr lang="en-US"/>
-              <a:t> </a:t>
-            </a:r>
-            <a:r>
-              <a:rPr lang="en-US" err="1"/>
-              <a:t>có</a:t>
-            </a:r>
-            <a:r>
-              <a:rPr lang="en-US"/>
-              <a:t> </a:t>
-            </a:r>
-            <a:r>
-              <a:rPr lang="en-US" err="1"/>
-              <a:t>thể</a:t>
-            </a:r>
-            <a:r>
-              <a:rPr lang="en-US"/>
-              <a:t> </a:t>
-            </a:r>
-            <a:r>
-              <a:rPr lang="en-US" err="1"/>
-              <a:t>giúp</a:t>
-            </a:r>
-            <a:r>
-              <a:rPr lang="en-US"/>
-              <a:t> ta </a:t>
-            </a:r>
-            <a:r>
-              <a:rPr lang="en-US" err="1"/>
-              <a:t>phát</a:t>
-            </a:r>
-            <a:r>
-              <a:rPr lang="en-US"/>
-              <a:t> </a:t>
-            </a:r>
-            <a:r>
-              <a:rPr lang="en-US" err="1"/>
-              <a:t>triển</a:t>
-            </a:r>
-            <a:r>
-              <a:rPr lang="en-US"/>
-              <a:t> </a:t>
-            </a:r>
-            <a:r>
-              <a:rPr lang="en-US" err="1"/>
-              <a:t>vốn</a:t>
-            </a:r>
-            <a:r>
-              <a:rPr lang="en-US"/>
-              <a:t> </a:t>
-            </a:r>
-            <a:r>
-              <a:rPr lang="en-US" err="1"/>
-              <a:t>ngôn</a:t>
-            </a:r>
-            <a:r>
-              <a:rPr lang="en-US"/>
-              <a:t> </a:t>
-            </a:r>
-            <a:r>
-              <a:rPr lang="en-US" err="1"/>
-              <a:t>ngữ</a:t>
-            </a:r>
-            <a:r>
-              <a:rPr lang="en-US"/>
-              <a:t> </a:t>
-            </a:r>
-            <a:r>
-              <a:rPr lang="en-US" err="1"/>
-              <a:t>của</a:t>
-            </a:r>
-            <a:r>
-              <a:rPr lang="en-US"/>
-              <a:t> </a:t>
-            </a:r>
-            <a:r>
-              <a:rPr lang="en-US" err="1"/>
-              <a:t>bản</a:t>
-            </a:r>
-            <a:r>
-              <a:rPr lang="en-US"/>
-              <a:t> </a:t>
-            </a:r>
-            <a:r>
-              <a:rPr lang="en-US" err="1"/>
-              <a:t>thân</a:t>
-            </a:r>
-            <a:r>
-              <a:rPr lang="en-US"/>
-              <a:t>.</a:t>
-            </a:r>
-          </a:p>
-          <a:p>
-            <a:r>
-              <a:rPr lang="en-US"/>
-              <a:t/>
-            </a:r>
-            <a:br>
-              <a:rPr lang="en-US"/>
-            </a:br>
-            <a:endParaRPr lang="en-US"/>
+              <a:rPr lang="vi-VN" dirty="0" smtClean="0">
+                <a:solidFill>
+                  <a:schemeClr val="dk1"/>
+                </a:solidFill>
+                <a:latin typeface="Times New Roman"/>
+                <a:ea typeface="Times New Roman"/>
+                <a:cs typeface="Times New Roman"/>
+                <a:sym typeface="Times New Roman"/>
+              </a:rPr>
+              <a:t>-</a:t>
+            </a:r>
+            <a:r>
+              <a:rPr lang="vi-VN" sz="800" dirty="0" smtClean="0">
+                <a:solidFill>
+                  <a:schemeClr val="dk1"/>
+                </a:solidFill>
+                <a:latin typeface="Times New Roman"/>
+                <a:ea typeface="Times New Roman"/>
+                <a:cs typeface="Times New Roman"/>
+                <a:sym typeface="Times New Roman"/>
+              </a:rPr>
+              <a:t>          </a:t>
+            </a:r>
+            <a:r>
+              <a:rPr lang="vi-VN" dirty="0" smtClean="0">
+                <a:solidFill>
+                  <a:schemeClr val="dk1"/>
+                </a:solidFill>
+                <a:latin typeface="Times New Roman"/>
+                <a:ea typeface="Times New Roman"/>
+                <a:cs typeface="Times New Roman"/>
+                <a:sym typeface="Times New Roman"/>
+              </a:rPr>
+              <a:t>Lọc, tìm kiếm theo chủ đề học</a:t>
+            </a:r>
+          </a:p>
+          <a:p>
+            <a:pPr marL="0" lvl="0" indent="0" algn="just" rtl="0">
+              <a:lnSpc>
+                <a:spcPct val="150000"/>
+              </a:lnSpc>
+              <a:spcBef>
+                <a:spcPts val="1300"/>
+              </a:spcBef>
+              <a:spcAft>
+                <a:spcPts val="0"/>
+              </a:spcAft>
+              <a:buClr>
+                <a:schemeClr val="dk1"/>
+              </a:buClr>
+              <a:buSzPts val="1100"/>
+              <a:buFont typeface="Arial"/>
+              <a:buNone/>
+            </a:pPr>
+            <a:r>
+              <a:rPr lang="vi-VN" dirty="0" smtClean="0">
+                <a:solidFill>
+                  <a:schemeClr val="dk1"/>
+                </a:solidFill>
+              </a:rPr>
+              <a:t>Ưu điểm:</a:t>
+            </a:r>
+          </a:p>
+          <a:p>
+            <a:pPr marL="0" lvl="0" indent="-228600" algn="just" rtl="0">
+              <a:lnSpc>
+                <a:spcPct val="150000"/>
+              </a:lnSpc>
+              <a:spcBef>
+                <a:spcPts val="1300"/>
+              </a:spcBef>
+              <a:spcAft>
+                <a:spcPts val="0"/>
+              </a:spcAft>
+              <a:buClr>
+                <a:schemeClr val="dk1"/>
+              </a:buClr>
+              <a:buSzPts val="1100"/>
+              <a:buFont typeface="Arial"/>
+              <a:buNone/>
+            </a:pPr>
+            <a:r>
+              <a:rPr lang="vi-VN" dirty="0" smtClean="0">
+                <a:solidFill>
+                  <a:schemeClr val="dk1"/>
+                </a:solidFill>
+                <a:latin typeface="Times New Roman"/>
+                <a:ea typeface="Times New Roman"/>
+                <a:cs typeface="Times New Roman"/>
+                <a:sym typeface="Times New Roman"/>
+              </a:rPr>
+              <a:t>-</a:t>
+            </a:r>
+            <a:r>
+              <a:rPr lang="vi-VN" sz="800" dirty="0" smtClean="0">
+                <a:solidFill>
+                  <a:schemeClr val="dk1"/>
+                </a:solidFill>
+                <a:latin typeface="Times New Roman"/>
+                <a:ea typeface="Times New Roman"/>
+                <a:cs typeface="Times New Roman"/>
+                <a:sym typeface="Times New Roman"/>
+              </a:rPr>
+              <a:t>          </a:t>
+            </a:r>
+            <a:r>
+              <a:rPr lang="vi-VN" dirty="0" smtClean="0">
+                <a:solidFill>
+                  <a:schemeClr val="dk1"/>
+                </a:solidFill>
+                <a:latin typeface="Times New Roman"/>
+                <a:ea typeface="Times New Roman"/>
+                <a:cs typeface="Times New Roman"/>
+                <a:sym typeface="Times New Roman"/>
+              </a:rPr>
+              <a:t>Các chức năng của trang web được thể hiện rõ ràng, phân theo cụm chức năng nên dễ dàng sử dụng, tìm kiếm</a:t>
+            </a:r>
+          </a:p>
+          <a:p>
+            <a:pPr marL="0" lvl="0" indent="-228600" algn="just" rtl="0">
+              <a:lnSpc>
+                <a:spcPct val="150000"/>
+              </a:lnSpc>
+              <a:spcBef>
+                <a:spcPts val="1300"/>
+              </a:spcBef>
+              <a:spcAft>
+                <a:spcPts val="0"/>
+              </a:spcAft>
+              <a:buClr>
+                <a:schemeClr val="dk1"/>
+              </a:buClr>
+              <a:buSzPts val="1100"/>
+              <a:buFont typeface="Arial"/>
+              <a:buNone/>
+            </a:pPr>
+            <a:r>
+              <a:rPr lang="vi-VN" dirty="0" smtClean="0">
+                <a:solidFill>
+                  <a:schemeClr val="dk1"/>
+                </a:solidFill>
+                <a:latin typeface="Times New Roman"/>
+                <a:ea typeface="Times New Roman"/>
+                <a:cs typeface="Times New Roman"/>
+                <a:sym typeface="Times New Roman"/>
+              </a:rPr>
+              <a:t>-</a:t>
+            </a:r>
+            <a:r>
+              <a:rPr lang="vi-VN" sz="800" dirty="0" smtClean="0">
+                <a:solidFill>
+                  <a:schemeClr val="dk1"/>
+                </a:solidFill>
+                <a:latin typeface="Times New Roman"/>
+                <a:ea typeface="Times New Roman"/>
+                <a:cs typeface="Times New Roman"/>
+                <a:sym typeface="Times New Roman"/>
+              </a:rPr>
+              <a:t>          </a:t>
+            </a:r>
+            <a:r>
+              <a:rPr lang="vi-VN" dirty="0" smtClean="0">
+                <a:solidFill>
+                  <a:schemeClr val="dk1"/>
+                </a:solidFill>
+                <a:latin typeface="Times New Roman"/>
+                <a:ea typeface="Times New Roman"/>
+                <a:cs typeface="Times New Roman"/>
+                <a:sym typeface="Times New Roman"/>
+              </a:rPr>
+              <a:t>Các bài học được hiển thị theo dạng danh sách card kèm hình ảnh, giúp bài học sinh động dễ hiểu</a:t>
+            </a:r>
+          </a:p>
+          <a:p>
+            <a:pPr marL="0" lvl="0" indent="-228600" algn="just" rtl="0">
+              <a:lnSpc>
+                <a:spcPct val="150000"/>
+              </a:lnSpc>
+              <a:spcBef>
+                <a:spcPts val="1300"/>
+              </a:spcBef>
+              <a:spcAft>
+                <a:spcPts val="0"/>
+              </a:spcAft>
+              <a:buClr>
+                <a:schemeClr val="dk1"/>
+              </a:buClr>
+              <a:buSzPts val="1100"/>
+              <a:buFont typeface="Arial"/>
+              <a:buNone/>
+            </a:pPr>
+            <a:r>
+              <a:rPr lang="vi-VN" dirty="0" smtClean="0">
+                <a:solidFill>
+                  <a:schemeClr val="dk1"/>
+                </a:solidFill>
+                <a:latin typeface="Times New Roman"/>
+                <a:ea typeface="Times New Roman"/>
+                <a:cs typeface="Times New Roman"/>
+                <a:sym typeface="Times New Roman"/>
+              </a:rPr>
+              <a:t>-</a:t>
+            </a:r>
+            <a:r>
+              <a:rPr lang="vi-VN" sz="800" dirty="0" smtClean="0">
+                <a:solidFill>
+                  <a:schemeClr val="dk1"/>
+                </a:solidFill>
+                <a:latin typeface="Times New Roman"/>
+                <a:ea typeface="Times New Roman"/>
+                <a:cs typeface="Times New Roman"/>
+                <a:sym typeface="Times New Roman"/>
+              </a:rPr>
+              <a:t>          </a:t>
+            </a:r>
+            <a:r>
+              <a:rPr lang="vi-VN" dirty="0" smtClean="0">
+                <a:solidFill>
+                  <a:schemeClr val="dk1"/>
+                </a:solidFill>
+                <a:latin typeface="Times New Roman"/>
+                <a:ea typeface="Times New Roman"/>
+                <a:cs typeface="Times New Roman"/>
+                <a:sym typeface="Times New Roman"/>
+              </a:rPr>
+              <a:t>Trang web ít có quảng cáo, giúp trải nghiệm người dùng được tốt hơn</a:t>
+            </a:r>
+          </a:p>
+          <a:p>
+            <a:pPr marL="0" lvl="0" indent="-228600" algn="just" rtl="0">
+              <a:lnSpc>
+                <a:spcPct val="150000"/>
+              </a:lnSpc>
+              <a:spcBef>
+                <a:spcPts val="1300"/>
+              </a:spcBef>
+              <a:spcAft>
+                <a:spcPts val="0"/>
+              </a:spcAft>
+              <a:buClr>
+                <a:schemeClr val="dk1"/>
+              </a:buClr>
+              <a:buSzPts val="1100"/>
+              <a:buFont typeface="Arial"/>
+              <a:buNone/>
+            </a:pPr>
+            <a:r>
+              <a:rPr lang="vi-VN" dirty="0" smtClean="0">
+                <a:solidFill>
+                  <a:schemeClr val="dk1"/>
+                </a:solidFill>
+                <a:latin typeface="Times New Roman"/>
+                <a:ea typeface="Times New Roman"/>
+                <a:cs typeface="Times New Roman"/>
+                <a:sym typeface="Times New Roman"/>
+              </a:rPr>
+              <a:t>-</a:t>
+            </a:r>
+            <a:r>
+              <a:rPr lang="vi-VN" sz="800" dirty="0" smtClean="0">
+                <a:solidFill>
+                  <a:schemeClr val="dk1"/>
+                </a:solidFill>
+                <a:latin typeface="Times New Roman"/>
+                <a:ea typeface="Times New Roman"/>
+                <a:cs typeface="Times New Roman"/>
+                <a:sym typeface="Times New Roman"/>
+              </a:rPr>
+              <a:t>          </a:t>
+            </a:r>
+            <a:r>
+              <a:rPr lang="vi-VN" dirty="0" smtClean="0">
+                <a:solidFill>
+                  <a:schemeClr val="dk1"/>
+                </a:solidFill>
+                <a:latin typeface="Times New Roman"/>
+                <a:ea typeface="Times New Roman"/>
+                <a:cs typeface="Times New Roman"/>
+                <a:sym typeface="Times New Roman"/>
+              </a:rPr>
+              <a:t>Có thể sử dụng trên điện thoại</a:t>
+            </a:r>
+          </a:p>
+          <a:p>
+            <a:pPr marL="0" lvl="0" indent="-228600" algn="just" rtl="0">
+              <a:lnSpc>
+                <a:spcPct val="150000"/>
+              </a:lnSpc>
+              <a:spcBef>
+                <a:spcPts val="1300"/>
+              </a:spcBef>
+              <a:spcAft>
+                <a:spcPts val="0"/>
+              </a:spcAft>
+              <a:buClr>
+                <a:schemeClr val="dk1"/>
+              </a:buClr>
+              <a:buSzPts val="1100"/>
+              <a:buFont typeface="Arial"/>
+              <a:buNone/>
+            </a:pPr>
+            <a:r>
+              <a:rPr lang="vi-VN" dirty="0" smtClean="0">
+                <a:solidFill>
+                  <a:schemeClr val="dk1"/>
+                </a:solidFill>
+                <a:latin typeface="Times New Roman"/>
+                <a:ea typeface="Times New Roman"/>
+                <a:cs typeface="Times New Roman"/>
+                <a:sym typeface="Times New Roman"/>
+              </a:rPr>
+              <a:t>-</a:t>
+            </a:r>
+            <a:r>
+              <a:rPr lang="vi-VN" sz="800" dirty="0" smtClean="0">
+                <a:solidFill>
+                  <a:schemeClr val="dk1"/>
+                </a:solidFill>
+                <a:latin typeface="Times New Roman"/>
+                <a:ea typeface="Times New Roman"/>
+                <a:cs typeface="Times New Roman"/>
+                <a:sym typeface="Times New Roman"/>
+              </a:rPr>
+              <a:t>          </a:t>
+            </a:r>
+            <a:r>
+              <a:rPr lang="vi-VN" dirty="0" smtClean="0">
+                <a:solidFill>
+                  <a:schemeClr val="dk1"/>
+                </a:solidFill>
+                <a:latin typeface="Times New Roman"/>
+                <a:ea typeface="Times New Roman"/>
+                <a:cs typeface="Times New Roman"/>
+                <a:sym typeface="Times New Roman"/>
+              </a:rPr>
+              <a:t>Tốc độ load trang nhanh</a:t>
+            </a:r>
+          </a:p>
+          <a:p>
+            <a:pPr marL="0" lvl="0" indent="0" algn="l" rtl="0">
+              <a:spcBef>
+                <a:spcPts val="1300"/>
+              </a:spcBef>
+              <a:spcAft>
+                <a:spcPts val="0"/>
+              </a:spcAft>
+              <a:buNone/>
+            </a:pPr>
+            <a:endParaRPr lang="vi-VN" dirty="0"/>
           </a:p>
         </p:txBody>
       </p:sp>
@@ -19500,7 +18980,7 @@
               <a:buChar char="•"/>
             </a:pPr>
             <a:r>
-              <a:rPr lang="vi-VN" sz="2000">
+              <a:rPr lang="vi-VN" sz="2000" dirty="0">
                 <a:latin typeface="Times New Roman"/>
                 <a:cs typeface="Times New Roman"/>
               </a:rPr>
@@ -19513,7 +18993,7 @@
               <a:buChar char="•"/>
             </a:pPr>
             <a:r>
-              <a:rPr lang="vi-VN" sz="2000">
+              <a:rPr lang="vi-VN" sz="2000" dirty="0">
                 <a:latin typeface="Times New Roman"/>
                 <a:cs typeface="Times New Roman"/>
               </a:rPr>
@@ -19526,7 +19006,7 @@
               <a:buChar char="•"/>
             </a:pPr>
             <a:r>
-              <a:rPr lang="vi-VN" sz="2000">
+              <a:rPr lang="vi-VN" sz="2000" dirty="0">
                 <a:latin typeface="Times New Roman"/>
                 <a:cs typeface="Times New Roman"/>
               </a:rPr>
@@ -19539,7 +19019,7 @@
               <a:buChar char="•"/>
             </a:pPr>
             <a:r>
-              <a:rPr lang="vi-VN" sz="2000">
+              <a:rPr lang="vi-VN" sz="2000" dirty="0">
                 <a:latin typeface="Times New Roman"/>
                 <a:cs typeface="Times New Roman"/>
               </a:rPr>
@@ -19552,7 +19032,7 @@
               <a:buChar char="•"/>
             </a:pPr>
             <a:r>
-              <a:rPr lang="vi-VN" sz="2000">
+              <a:rPr lang="vi-VN" sz="2000" dirty="0">
                 <a:latin typeface="Times New Roman"/>
                 <a:cs typeface="Times New Roman"/>
               </a:rPr>
@@ -19565,11 +19045,88 @@
               <a:buChar char="•"/>
             </a:pPr>
             <a:r>
-              <a:rPr lang="vi-VN" sz="2000">
+              <a:rPr lang="vi-VN" sz="2000" dirty="0">
                 <a:latin typeface="Times New Roman"/>
                 <a:cs typeface="Times New Roman"/>
               </a:rPr>
-              <a:t>Tương tác giữa người dùng, giúp </a:t>
+              <a:t>Tương tác giữa người dùng, </a:t>
+            </a:r>
+            <a:r>
+              <a:rPr lang="vi-VN" sz="2000" dirty="0" smtClean="0">
+                <a:latin typeface="Times New Roman"/>
+                <a:cs typeface="Times New Roman"/>
+              </a:rPr>
+              <a:t>giúp</a:t>
+            </a:r>
+            <a:r>
+              <a:rPr lang="en-US" sz="2000" dirty="0" smtClean="0">
+                <a:latin typeface="Times New Roman"/>
+                <a:cs typeface="Times New Roman"/>
+              </a:rPr>
+              <a:t> tang </a:t>
+            </a:r>
+            <a:r>
+              <a:rPr lang="en-US" sz="2000" dirty="0" err="1" smtClean="0">
+                <a:latin typeface="Times New Roman"/>
+                <a:cs typeface="Times New Roman"/>
+              </a:rPr>
+              <a:t>hứng</a:t>
+            </a:r>
+            <a:r>
+              <a:rPr lang="en-US" sz="2000" dirty="0" smtClean="0">
+                <a:latin typeface="Times New Roman"/>
+                <a:cs typeface="Times New Roman"/>
+              </a:rPr>
+              <a:t> </a:t>
+            </a:r>
+            <a:r>
+              <a:rPr lang="en-US" sz="2000" dirty="0" err="1" smtClean="0">
+                <a:latin typeface="Times New Roman"/>
+                <a:cs typeface="Times New Roman"/>
+              </a:rPr>
+              <a:t>thú</a:t>
+            </a:r>
+            <a:r>
+              <a:rPr lang="en-US" sz="2000" dirty="0" smtClean="0">
+                <a:latin typeface="Times New Roman"/>
+                <a:cs typeface="Times New Roman"/>
+              </a:rPr>
+              <a:t> </a:t>
+            </a:r>
+            <a:r>
+              <a:rPr lang="en-US" sz="2000" dirty="0" err="1" smtClean="0">
+                <a:latin typeface="Times New Roman"/>
+                <a:cs typeface="Times New Roman"/>
+              </a:rPr>
+              <a:t>khi</a:t>
+            </a:r>
+            <a:r>
+              <a:rPr lang="en-US" sz="2000" dirty="0" smtClean="0">
+                <a:latin typeface="Times New Roman"/>
+                <a:cs typeface="Times New Roman"/>
+              </a:rPr>
+              <a:t> </a:t>
+            </a:r>
+            <a:r>
+              <a:rPr lang="en-US" sz="2000" dirty="0" err="1" smtClean="0">
+                <a:latin typeface="Times New Roman"/>
+                <a:cs typeface="Times New Roman"/>
+              </a:rPr>
+              <a:t>vào</a:t>
+            </a:r>
+            <a:r>
+              <a:rPr lang="en-US" sz="2000" dirty="0" smtClean="0">
+                <a:latin typeface="Times New Roman"/>
+                <a:cs typeface="Times New Roman"/>
+              </a:rPr>
+              <a:t> website</a:t>
+            </a:r>
+            <a:r>
+              <a:rPr lang="vi-VN" sz="2000" dirty="0">
+                <a:latin typeface="Times New Roman"/>
+                <a:cs typeface="Times New Roman"/>
+              </a:rPr>
+              <a:t> </a:t>
             </a:r>
           </a:p>
         </p:txBody>
@@ -19973,123 +19530,11 @@
               <a:buChar char="•"/>
             </a:pPr>
             <a:r>
-              <a:rPr lang="vi-VN" sz="2000" err="1">
+              <a:rPr lang="vi-VN" sz="2000" dirty="0">
                 <a:latin typeface="Times New Roman"/>
                 <a:cs typeface="Times New Roman"/>
               </a:rPr>
-              <a:t>Quản</a:t>
-            </a:r>
-            <a:r>
-              <a:rPr lang="vi-VN" sz="2000">
-                <a:latin typeface="Times New Roman"/>
-                <a:cs typeface="Times New Roman"/>
-              </a:rPr>
-              <a:t> </a:t>
-            </a:r>
-            <a:r>
-              <a:rPr lang="vi-VN" sz="2000" err="1">
-                <a:latin typeface="Times New Roman"/>
-                <a:cs typeface="Times New Roman"/>
-              </a:rPr>
-              <a:t>lý</a:t>
-            </a:r>
-            <a:r>
-              <a:rPr lang="vi-VN" sz="2000">
-                <a:latin typeface="Times New Roman"/>
-                <a:cs typeface="Times New Roman"/>
-              </a:rPr>
-              <a:t> </a:t>
-            </a:r>
-            <a:r>
-              <a:rPr lang="vi-VN" sz="2000" err="1">
-                <a:latin typeface="Times New Roman"/>
-                <a:cs typeface="Times New Roman"/>
-              </a:rPr>
-              <a:t>người</a:t>
-            </a:r>
-            <a:r>
-              <a:rPr lang="vi-VN" sz="2000">
-                <a:latin typeface="Times New Roman"/>
-                <a:cs typeface="Times New Roman"/>
-              </a:rPr>
-              <a:t> </a:t>
-            </a:r>
-            <a:r>
-              <a:rPr lang="vi-VN" sz="2000" err="1">
-                <a:latin typeface="Times New Roman"/>
-                <a:cs typeface="Times New Roman"/>
-              </a:rPr>
-              <a:t>dùng</a:t>
-            </a:r>
-            <a:r>
-              <a:rPr lang="vi-VN" sz="2000">
-                <a:latin typeface="Times New Roman"/>
-                <a:cs typeface="Times New Roman"/>
-              </a:rPr>
-              <a:t>: </a:t>
-            </a:r>
-            <a:r>
-              <a:rPr lang="vi-VN" sz="2000" err="1">
-                <a:latin typeface="Times New Roman"/>
-                <a:cs typeface="Times New Roman"/>
-              </a:rPr>
-              <a:t>khoá</a:t>
-            </a:r>
-            <a:r>
-              <a:rPr lang="vi-VN" sz="2000">
-                <a:latin typeface="Times New Roman"/>
-                <a:cs typeface="Times New Roman"/>
-              </a:rPr>
-              <a:t> </a:t>
-            </a:r>
-            <a:r>
-              <a:rPr lang="vi-VN" sz="2000" err="1">
-                <a:latin typeface="Times New Roman"/>
-                <a:cs typeface="Times New Roman"/>
-              </a:rPr>
-              <a:t>tài</a:t>
-            </a:r>
-            <a:r>
-              <a:rPr lang="vi-VN" sz="2000">
-                <a:latin typeface="Times New Roman"/>
-                <a:cs typeface="Times New Roman"/>
-              </a:rPr>
-              <a:t> </a:t>
-            </a:r>
-            <a:r>
-              <a:rPr lang="vi-VN" sz="2000" err="1">
-                <a:latin typeface="Times New Roman"/>
-                <a:cs typeface="Times New Roman"/>
-              </a:rPr>
-              <a:t>khoản</a:t>
-            </a:r>
-            <a:r>
-              <a:rPr lang="vi-VN" sz="2000">
-                <a:latin typeface="Times New Roman"/>
-                <a:cs typeface="Times New Roman"/>
-              </a:rPr>
-              <a:t> </a:t>
-            </a:r>
-            <a:r>
-              <a:rPr lang="vi-VN" sz="2000" err="1">
-                <a:latin typeface="Times New Roman"/>
-                <a:cs typeface="Times New Roman"/>
-              </a:rPr>
-              <a:t>người</a:t>
-            </a:r>
-            <a:r>
-              <a:rPr lang="vi-VN" sz="2000">
-                <a:latin typeface="Times New Roman"/>
-                <a:cs typeface="Times New Roman"/>
-              </a:rPr>
-              <a:t> </a:t>
-            </a:r>
-            <a:r>
-              <a:rPr lang="vi-VN" sz="2000" err="1">
-                <a:latin typeface="Times New Roman"/>
-                <a:cs typeface="Times New Roman"/>
-              </a:rPr>
-              <a:t>dùng</a:t>
+              <a:t>Quản lý người dùng: khoá tài khoản người dùng</a:t>
             </a:r>
           </a:p>
           <a:p>
@@ -20098,123 +19543,11 @@
               <a:buChar char="•"/>
             </a:pPr>
             <a:r>
-              <a:rPr lang="vi-VN" sz="2000" err="1">
+              <a:rPr lang="vi-VN" sz="2000" dirty="0">
                 <a:latin typeface="Times New Roman"/>
                 <a:cs typeface="Times New Roman"/>
               </a:rPr>
-              <a:t>Quản</a:t>
-            </a:r>
-            <a:r>
-              <a:rPr lang="vi-VN" sz="2000">
-                <a:latin typeface="Times New Roman"/>
-                <a:cs typeface="Times New Roman"/>
-              </a:rPr>
-              <a:t> </a:t>
-            </a:r>
-            <a:r>
-              <a:rPr lang="vi-VN" sz="2000" err="1">
-                <a:latin typeface="Times New Roman"/>
-                <a:cs typeface="Times New Roman"/>
-              </a:rPr>
-              <a:t>lý</a:t>
-            </a:r>
-            <a:r>
-              <a:rPr lang="vi-VN" sz="2000">
-                <a:latin typeface="Times New Roman"/>
-                <a:cs typeface="Times New Roman"/>
-              </a:rPr>
-              <a:t> </a:t>
-            </a:r>
-            <a:r>
-              <a:rPr lang="vi-VN" sz="2000" err="1">
-                <a:latin typeface="Times New Roman"/>
-                <a:cs typeface="Times New Roman"/>
-              </a:rPr>
-              <a:t>thử</a:t>
-            </a:r>
-            <a:r>
-              <a:rPr lang="vi-VN" sz="2000">
-                <a:latin typeface="Times New Roman"/>
-                <a:cs typeface="Times New Roman"/>
-              </a:rPr>
-              <a:t> </a:t>
-            </a:r>
-            <a:r>
-              <a:rPr lang="vi-VN" sz="2000" err="1">
-                <a:latin typeface="Times New Roman"/>
-                <a:cs typeface="Times New Roman"/>
-              </a:rPr>
-              <a:t>thách</a:t>
-            </a:r>
-            <a:r>
-              <a:rPr lang="vi-VN" sz="2000">
-                <a:latin typeface="Times New Roman"/>
-                <a:cs typeface="Times New Roman"/>
-              </a:rPr>
-              <a:t>: </a:t>
-            </a:r>
-            <a:r>
-              <a:rPr lang="vi-VN" sz="2000" err="1">
-                <a:latin typeface="Times New Roman"/>
-                <a:cs typeface="Times New Roman"/>
-              </a:rPr>
-              <a:t>tạo</a:t>
-            </a:r>
-            <a:r>
-              <a:rPr lang="vi-VN" sz="2000">
-                <a:latin typeface="Times New Roman"/>
-                <a:cs typeface="Times New Roman"/>
-              </a:rPr>
-              <a:t>, </a:t>
-            </a:r>
-            <a:r>
-              <a:rPr lang="vi-VN" sz="2000" err="1">
-                <a:latin typeface="Times New Roman"/>
-                <a:cs typeface="Times New Roman"/>
-              </a:rPr>
-              <a:t>chỉnh</a:t>
-            </a:r>
-            <a:r>
-              <a:rPr lang="vi-VN" sz="2000">
-                <a:latin typeface="Times New Roman"/>
-                <a:cs typeface="Times New Roman"/>
-              </a:rPr>
-              <a:t> </a:t>
-            </a:r>
-            <a:r>
-              <a:rPr lang="vi-VN" sz="2000" err="1">
-                <a:latin typeface="Times New Roman"/>
-                <a:cs typeface="Times New Roman"/>
-              </a:rPr>
-              <a:t>sửa</a:t>
-            </a:r>
-            <a:r>
-              <a:rPr lang="vi-VN" sz="2000">
-                <a:latin typeface="Times New Roman"/>
-                <a:cs typeface="Times New Roman"/>
-              </a:rPr>
-              <a:t> </a:t>
-            </a:r>
-            <a:r>
-              <a:rPr lang="vi-VN" sz="2000" err="1">
-                <a:latin typeface="Times New Roman"/>
-                <a:cs typeface="Times New Roman"/>
-              </a:rPr>
-              <a:t>và</a:t>
-            </a:r>
-            <a:r>
-              <a:rPr lang="vi-VN" sz="2000">
-                <a:latin typeface="Times New Roman"/>
-                <a:cs typeface="Times New Roman"/>
-              </a:rPr>
-              <a:t> </a:t>
-            </a:r>
-            <a:r>
-              <a:rPr lang="vi-VN" sz="2000" err="1">
-                <a:latin typeface="Times New Roman"/>
-                <a:cs typeface="Times New Roman"/>
-              </a:rPr>
-              <a:t>xoá</a:t>
+              <a:t>Quản lý thử thách: tạo, chỉnh sửa và xoá</a:t>
             </a:r>
           </a:p>
           <a:p>
@@ -20223,156 +19556,12 @@
               <a:buChar char="•"/>
             </a:pPr>
             <a:r>
-              <a:rPr lang="vi-VN" sz="2000" err="1">
+              <a:rPr lang="vi-VN" sz="2000" dirty="0">
                 <a:latin typeface="Times New Roman"/>
                 <a:cs typeface="Times New Roman"/>
               </a:rPr>
-              <a:t>Quản</a:t>
-            </a:r>
-            <a:r>
-              <a:rPr lang="vi-VN" sz="2000">
-                <a:latin typeface="Times New Roman"/>
-                <a:cs typeface="Times New Roman"/>
-              </a:rPr>
-              <a:t> </a:t>
-            </a:r>
-            <a:r>
-              <a:rPr lang="vi-VN" sz="2000" err="1">
-                <a:latin typeface="Times New Roman"/>
-                <a:cs typeface="Times New Roman"/>
-              </a:rPr>
-              <a:t>lý</a:t>
-            </a:r>
-            <a:r>
-              <a:rPr lang="vi-VN" sz="2000">
-                <a:latin typeface="Times New Roman"/>
-                <a:cs typeface="Times New Roman"/>
-              </a:rPr>
-              <a:t> </a:t>
-            </a:r>
-            <a:r>
-              <a:rPr lang="vi-VN" sz="2000" err="1">
-                <a:latin typeface="Times New Roman"/>
-                <a:cs typeface="Times New Roman"/>
-              </a:rPr>
-              <a:t>chủ</a:t>
-            </a:r>
-            <a:r>
-              <a:rPr lang="vi-VN" sz="2000">
-                <a:latin typeface="Times New Roman"/>
-                <a:cs typeface="Times New Roman"/>
-              </a:rPr>
-              <a:t> </a:t>
-            </a:r>
-            <a:r>
-              <a:rPr lang="vi-VN" sz="2000" err="1">
-                <a:latin typeface="Times New Roman"/>
-                <a:cs typeface="Times New Roman"/>
-              </a:rPr>
-              <a:t>đề</a:t>
-            </a:r>
-            <a:r>
-              <a:rPr lang="vi-VN" sz="2000">
-                <a:latin typeface="Times New Roman"/>
-                <a:cs typeface="Times New Roman"/>
-              </a:rPr>
-              <a:t> </a:t>
-            </a:r>
-            <a:r>
-              <a:rPr lang="vi-VN" sz="2000" err="1">
-                <a:latin typeface="Times New Roman"/>
-                <a:cs typeface="Times New Roman"/>
-              </a:rPr>
-              <a:t>từ</a:t>
-            </a:r>
-            <a:r>
-              <a:rPr lang="vi-VN" sz="2000">
-                <a:latin typeface="Times New Roman"/>
-                <a:cs typeface="Times New Roman"/>
-              </a:rPr>
-              <a:t> </a:t>
-            </a:r>
-            <a:r>
-              <a:rPr lang="vi-VN" sz="2000" err="1">
-                <a:latin typeface="Times New Roman"/>
-                <a:cs typeface="Times New Roman"/>
-              </a:rPr>
-              <a:t>vựng</a:t>
-            </a:r>
-            <a:r>
-              <a:rPr lang="vi-VN" sz="2000">
-                <a:latin typeface="Times New Roman"/>
-                <a:cs typeface="Times New Roman"/>
-              </a:rPr>
-              <a:t>: </a:t>
-            </a:r>
-            <a:r>
-              <a:rPr lang="vi-VN" sz="2000" err="1">
-                <a:latin typeface="Times New Roman"/>
-                <a:cs typeface="Times New Roman"/>
-              </a:rPr>
-              <a:t>tạo</a:t>
-            </a:r>
-            <a:r>
-              <a:rPr lang="vi-VN" sz="2000">
-                <a:latin typeface="Times New Roman"/>
-                <a:cs typeface="Times New Roman"/>
-              </a:rPr>
-              <a:t>, </a:t>
-            </a:r>
-            <a:r>
-              <a:rPr lang="vi-VN" sz="2000" err="1">
-                <a:latin typeface="Times New Roman"/>
-                <a:cs typeface="Times New Roman"/>
-              </a:rPr>
-              <a:t>chỉnh</a:t>
-            </a:r>
-            <a:r>
-              <a:rPr lang="vi-VN" sz="2000">
-                <a:latin typeface="Times New Roman"/>
-                <a:cs typeface="Times New Roman"/>
-              </a:rPr>
-              <a:t> </a:t>
-            </a:r>
-            <a:r>
-              <a:rPr lang="vi-VN" sz="2000" err="1">
-                <a:latin typeface="Times New Roman"/>
-                <a:cs typeface="Times New Roman"/>
-              </a:rPr>
-              <a:t>sửa</a:t>
-            </a:r>
-            <a:r>
-              <a:rPr lang="vi-VN" sz="2000">
-                <a:latin typeface="Times New Roman"/>
-                <a:cs typeface="Times New Roman"/>
-              </a:rPr>
-              <a:t> </a:t>
-            </a:r>
-            <a:r>
-              <a:rPr lang="vi-VN" sz="2000" err="1">
-                <a:latin typeface="Times New Roman"/>
-                <a:cs typeface="Times New Roman"/>
-              </a:rPr>
-              <a:t>và</a:t>
-            </a:r>
-            <a:r>
-              <a:rPr lang="vi-VN" sz="2000">
-                <a:latin typeface="Times New Roman"/>
-                <a:cs typeface="Times New Roman"/>
-              </a:rPr>
-              <a:t> </a:t>
-            </a:r>
-            <a:r>
-              <a:rPr lang="vi-VN" sz="2000" err="1">
-                <a:latin typeface="Times New Roman"/>
-                <a:cs typeface="Times New Roman"/>
-              </a:rPr>
-              <a:t>xoá</a:t>
-            </a:r>
-            <a:endParaRPr lang="vi-VN" sz="2000">
-              <a:latin typeface="Times New Roman"/>
-              <a:cs typeface="Times New Roman"/>
-            </a:endParaRPr>
+              <a:t>Quản lý chủ đề từ vựng: tạo, chỉnh sửa và xoá</a:t>
+            </a:r>
           </a:p>
           <a:p>
             <a:pPr marL="342900" indent="-342900">
@@ -20380,137 +19569,39 @@
               <a:buChar char="•"/>
             </a:pPr>
             <a:r>
-              <a:rPr lang="vi-VN" sz="2000" err="1">
+              <a:rPr lang="vi-VN" sz="2000" dirty="0">
                 <a:latin typeface="Times New Roman"/>
                 <a:cs typeface="Times New Roman"/>
               </a:rPr>
-              <a:t>Quản</a:t>
-            </a:r>
-            <a:r>
-              <a:rPr lang="vi-VN" sz="2000">
+              <a:t>Quản lý bảng chữ cái: </a:t>
+            </a:r>
+            <a:r>
+              <a:rPr lang="vi-VN" sz="2000" dirty="0" smtClean="0">
                 <a:latin typeface="Times New Roman"/>
                 <a:cs typeface="Times New Roman"/>
               </a:rPr>
-              <a:t> </a:t>
-            </a:r>
-            <a:r>
-              <a:rPr lang="vi-VN" sz="2000" err="1">
+              <a:t>tạo</a:t>
+            </a:r>
+            <a:r>
+              <a:rPr lang="en-US" sz="2000" dirty="0" smtClean="0">
                 <a:latin typeface="Times New Roman"/>
                 <a:cs typeface="Times New Roman"/>
               </a:rPr>
-              <a:t>lý</a:t>
-            </a:r>
-            <a:r>
-              <a:rPr lang="vi-VN" sz="2000">
+              <a:t>,</a:t>
+            </a:r>
+            <a:r>
+              <a:rPr lang="vi-VN" sz="2000" dirty="0" smtClean="0">
                 <a:latin typeface="Times New Roman"/>
                 <a:cs typeface="Times New Roman"/>
               </a:rPr>
               <a:t> </a:t>
             </a:r>
             <a:r>
-              <a:rPr lang="vi-VN" sz="2000" err="1">
+              <a:rPr lang="vi-VN" sz="2000" dirty="0">
                 <a:latin typeface="Times New Roman"/>
                 <a:cs typeface="Times New Roman"/>
               </a:rPr>
-              <a:t>bảng</a:t>
-            </a:r>
-            <a:r>
-              <a:rPr lang="vi-VN" sz="2000">
-                <a:latin typeface="Times New Roman"/>
-                <a:cs typeface="Times New Roman"/>
-              </a:rPr>
-              <a:t> </a:t>
-            </a:r>
-            <a:r>
-              <a:rPr lang="vi-VN" sz="2000" err="1">
-                <a:latin typeface="Times New Roman"/>
-                <a:cs typeface="Times New Roman"/>
-              </a:rPr>
-              <a:t>chữ</a:t>
-            </a:r>
-            <a:r>
-              <a:rPr lang="vi-VN" sz="2000">
-                <a:latin typeface="Times New Roman"/>
-                <a:cs typeface="Times New Roman"/>
-              </a:rPr>
-              <a:t> </a:t>
-            </a:r>
-            <a:r>
-              <a:rPr lang="vi-VN" sz="2000" err="1">
-                <a:latin typeface="Times New Roman"/>
-                <a:cs typeface="Times New Roman"/>
-              </a:rPr>
-              <a:t>cái</a:t>
-            </a:r>
-            <a:r>
-              <a:rPr lang="vi-VN" sz="2000">
-                <a:latin typeface="Times New Roman"/>
-                <a:cs typeface="Times New Roman"/>
-              </a:rPr>
-              <a:t>: </a:t>
-            </a:r>
-            <a:r>
-              <a:rPr lang="vi-VN" sz="2000" err="1">
-                <a:latin typeface="Times New Roman"/>
-                <a:cs typeface="Times New Roman"/>
-              </a:rPr>
-              <a:t>tạo</a:t>
-            </a:r>
-            <a:r>
-              <a:rPr lang="vi-VN" sz="2000">
-                <a:latin typeface="Times New Roman"/>
-                <a:cs typeface="Times New Roman"/>
-              </a:rPr>
-              <a:t> </a:t>
-            </a:r>
-            <a:r>
-              <a:rPr lang="vi-VN" sz="2000" err="1">
-                <a:latin typeface="Times New Roman"/>
-                <a:cs typeface="Times New Roman"/>
-              </a:rPr>
-              <a:t>chỉnh</a:t>
-            </a:r>
-            <a:r>
-              <a:rPr lang="vi-VN" sz="2000">
-                <a:latin typeface="Times New Roman"/>
-                <a:cs typeface="Times New Roman"/>
-              </a:rPr>
-              <a:t> </a:t>
-            </a:r>
-            <a:r>
-              <a:rPr lang="vi-VN" sz="2000" err="1">
-                <a:latin typeface="Times New Roman"/>
-                <a:cs typeface="Times New Roman"/>
-              </a:rPr>
-              <a:t>sửa</a:t>
-            </a:r>
-            <a:r>
-              <a:rPr lang="vi-VN" sz="2000">
-                <a:latin typeface="Times New Roman"/>
-                <a:cs typeface="Times New Roman"/>
-              </a:rPr>
-              <a:t> </a:t>
-            </a:r>
-            <a:r>
-              <a:rPr lang="vi-VN" sz="2000" err="1">
-                <a:latin typeface="Times New Roman"/>
-                <a:cs typeface="Times New Roman"/>
-              </a:rPr>
-              <a:t>và</a:t>
-            </a:r>
-            <a:r>
-              <a:rPr lang="vi-VN" sz="2000">
-                <a:latin typeface="Times New Roman"/>
-                <a:cs typeface="Times New Roman"/>
-              </a:rPr>
-              <a:t> </a:t>
-            </a:r>
-            <a:r>
-              <a:rPr lang="vi-VN" sz="2000" err="1">
-                <a:latin typeface="Times New Roman"/>
-                <a:cs typeface="Times New Roman"/>
-              </a:rPr>
-              <a:t>xoá</a:t>
+              <a:t>chỉnh sửa và xoá</a:t>
             </a:r>
           </a:p>
         </p:txBody>

--- a/Website-jp-pp.pptx
+++ b/Website-jp-pp.pptx
@@ -19063,7 +19063,21 @@
                 <a:latin typeface="Times New Roman"/>
                 <a:cs typeface="Times New Roman"/>
               </a:rPr>
-              <a:t> tang </a:t>
+              <a:t> </a:t>
+            </a:r>
+            <a:r>
+              <a:rPr lang="en-US" sz="2000" smtClean="0">
+                <a:latin typeface="Times New Roman"/>
+                <a:cs typeface="Times New Roman"/>
+              </a:rPr>
+              <a:t>tăng</a:t>
+            </a:r>
+            <a:r>
+              <a:rPr lang="en-US" sz="2000" dirty="0" smtClean="0">
+                <a:latin typeface="Times New Roman"/>
+                <a:cs typeface="Times New Roman"/>
+              </a:rPr>
+              <a:t> </a:t>
             </a:r>
             <a:r>
               <a:rPr lang="en-US" sz="2000" dirty="0" err="1" smtClean="0">

--- a/Website-jp-pp.pptx
+++ b/Website-jp-pp.pptx
@@ -20647,60 +20647,42 @@
               <a:buNone/>
             </a:pPr>
             <a:r>
-              <a:rPr lang="vi-VN" sz="2400" err="1">
+              <a:rPr lang="vi-VN" sz="2400" dirty="0">
                 <a:latin typeface="Times New Roman"/>
                 <a:cs typeface="Times New Roman"/>
               </a:rPr>
-              <a:t>Website</a:t>
-            </a:r>
-            <a:r>
-              <a:rPr lang="vi-VN" sz="2400">
+              <a:t>Website </a:t>
+            </a:r>
+            <a:r>
+              <a:rPr lang="en-US" sz="2400" smtClean="0">
                 <a:latin typeface="Times New Roman"/>
                 <a:cs typeface="Times New Roman"/>
               </a:rPr>
-              <a:t> 2: </a:t>
-            </a:r>
-            <a:r>
-              <a:rPr lang="vi-VN" sz="2400">
+              <a:t>3</a:t>
+            </a:r>
+            <a:r>
+              <a:rPr lang="vi-VN" sz="2400" smtClean="0">
+                <a:latin typeface="Times New Roman"/>
+                <a:cs typeface="Times New Roman"/>
+              </a:rPr>
+              <a:t>:</a:t>
+            </a:r>
+            <a:r>
+              <a:rPr lang="vi-VN" sz="2400" dirty="0">
+                <a:latin typeface="Times New Roman"/>
+                <a:cs typeface="Times New Roman"/>
+              </a:rPr>
+              <a:t> </a:t>
+            </a:r>
+            <a:r>
+              <a:rPr lang="vi-VN" sz="2400" dirty="0">
                 <a:latin typeface="Times New Roman"/>
                 <a:ea typeface="+mn-lt"/>
                 <a:cs typeface="+mn-lt"/>
               </a:rPr>
-              <a:t>“</a:t>
-            </a:r>
-            <a:r>
-              <a:rPr lang="vi-VN" sz="2400" err="1">
-                <a:latin typeface="Times New Roman"/>
-                <a:ea typeface="+mn-lt"/>
-                <a:cs typeface="+mn-lt"/>
-              </a:rPr>
-              <a:t>Minano</a:t>
-            </a:r>
-            <a:r>
-              <a:rPr lang="vi-VN" sz="2400">
-                <a:latin typeface="Times New Roman"/>
-                <a:ea typeface="+mn-lt"/>
-                <a:cs typeface="+mn-lt"/>
-              </a:rPr>
-              <a:t> </a:t>
-            </a:r>
-            <a:r>
-              <a:rPr lang="vi-VN" sz="2400" err="1">
-                <a:latin typeface="Times New Roman"/>
-                <a:ea typeface="+mn-lt"/>
-                <a:cs typeface="+mn-lt"/>
-              </a:rPr>
-              <a:t>Nigongo</a:t>
-            </a:r>
-            <a:r>
-              <a:rPr lang="vi-VN" sz="2400">
-                <a:latin typeface="Times New Roman"/>
-                <a:ea typeface="+mn-lt"/>
-                <a:cs typeface="+mn-lt"/>
-              </a:rPr>
-              <a:t>”</a:t>
-            </a:r>
-            <a:endParaRPr lang="vi-VN" sz="2400">
+              <a:t>“Minano Nigongo”</a:t>
+            </a:r>
+            <a:endParaRPr lang="vi-VN" sz="2400" dirty="0">
               <a:latin typeface="Times New Roman"/>
               <a:cs typeface="Times New Roman"/>
             </a:endParaRPr>

--- a/Website-jp-pp.pptx
+++ b/Website-jp-pp.pptx
@@ -7247,27 +7247,8 @@
                 <a:cs typeface="Times New Roman"/>
                 <a:sym typeface="Times New Roman"/>
               </a:rPr>
-              <a:t>Forum thảo luận</a:t>
-            </a:r>
-          </a:p>
-          <a:p>
-            <a:pPr marL="0" lvl="0" indent="-228600" algn="just" rtl="0">
-              <a:lnSpc>
-                <a:spcPct val="150000"/>
-              </a:lnSpc>
-              <a:spcBef>
-                <a:spcPts val="1300"/>
-              </a:spcBef>
-              <a:spcAft>
-                <a:spcPts val="0"/>
-              </a:spcAft>
-              <a:buClr>
-                <a:schemeClr val="dk1"/>
-              </a:buClr>
-              <a:buSzPts val="1100"/>
-              <a:buFont typeface="Arial"/>
-              <a:buNone/>
-            </a:pPr>
+              <a:t>Ôn tập, bài tập kiểm </a:t>
+            </a:r>
             <a:r>
               <a:rPr lang="vi-VN" dirty="0" smtClean="0">
                 <a:solidFill>
@@ -7278,86 +7259,7 @@
                 <a:cs typeface="Times New Roman"/>
                 <a:sym typeface="Times New Roman"/>
               </a:rPr>
-              <a:t>-</a:t>
-            </a:r>
-            <a:r>
-              <a:rPr lang="vi-VN" sz="800" dirty="0" smtClean="0">
-                <a:solidFill>
-                  <a:schemeClr val="dk1"/>
-                </a:solidFill>
-                <a:latin typeface="Times New Roman"/>
-                <a:ea typeface="Times New Roman"/>
-                <a:cs typeface="Times New Roman"/>
-                <a:sym typeface="Times New Roman"/>
-              </a:rPr>
-              <a:t>          </a:t>
-            </a:r>
-            <a:r>
-              <a:rPr lang="vi-VN" dirty="0" smtClean="0">
-                <a:solidFill>
-                  <a:schemeClr val="dk1"/>
-                </a:solidFill>
-                <a:latin typeface="Times New Roman"/>
-                <a:ea typeface="Times New Roman"/>
-                <a:cs typeface="Times New Roman"/>
-                <a:sym typeface="Times New Roman"/>
-              </a:rPr>
-              <a:t>Ôn tập, bài tập kiểm tra</a:t>
-            </a:r>
-          </a:p>
-          <a:p>
-            <a:pPr marL="0" lvl="0" indent="-228600" algn="just" rtl="0">
-              <a:lnSpc>
-                <a:spcPct val="150000"/>
-              </a:lnSpc>
-              <a:spcBef>
-                <a:spcPts val="1300"/>
-              </a:spcBef>
-              <a:spcAft>
-                <a:spcPts val="0"/>
-              </a:spcAft>
-              <a:buClr>
-                <a:schemeClr val="dk1"/>
-              </a:buClr>
-              <a:buSzPts val="1100"/>
-              <a:buFont typeface="Arial"/>
-              <a:buNone/>
-            </a:pPr>
-            <a:r>
-              <a:rPr lang="vi-VN" dirty="0" smtClean="0">
-                <a:solidFill>
-                  <a:schemeClr val="dk1"/>
-                </a:solidFill>
-                <a:latin typeface="Times New Roman"/>
-                <a:ea typeface="Times New Roman"/>
-                <a:cs typeface="Times New Roman"/>
-                <a:sym typeface="Times New Roman"/>
-              </a:rPr>
-              <a:t>-</a:t>
-            </a:r>
-            <a:r>
-              <a:rPr lang="vi-VN" sz="800" dirty="0" smtClean="0">
-                <a:solidFill>
-                  <a:schemeClr val="dk1"/>
-                </a:solidFill>
-                <a:latin typeface="Times New Roman"/>
-                <a:ea typeface="Times New Roman"/>
-                <a:cs typeface="Times New Roman"/>
-                <a:sym typeface="Times New Roman"/>
-              </a:rPr>
-              <a:t>          </a:t>
-            </a:r>
-            <a:r>
-              <a:rPr lang="vi-VN" dirty="0" smtClean="0">
-                <a:solidFill>
-                  <a:schemeClr val="dk1"/>
-                </a:solidFill>
-                <a:latin typeface="Times New Roman"/>
-                <a:ea typeface="Times New Roman"/>
-                <a:cs typeface="Times New Roman"/>
-                <a:sym typeface="Times New Roman"/>
-              </a:rPr>
-              <a:t>Lọc, tìm kiếm theo chủ đề học</a:t>
+              <a:t>tra</a:t>
             </a:r>
           </a:p>
           <a:p>
@@ -7384,7 +7286,15 @@
                   <a:schemeClr val="dk1"/>
                 </a:solidFill>
               </a:rPr>
-              <a:t>Ưu điểm:</a:t>
+              <a:t>Ưu </a:t>
+            </a:r>
+            <a:r>
+              <a:rPr lang="vi-VN" dirty="0" smtClean="0">
+                <a:solidFill>
+                  <a:schemeClr val="dk1"/>
+                </a:solidFill>
+              </a:rPr>
+              <a:t>điểm:</a:t>
             </a:r>
           </a:p>
           <a:p>
@@ -14433,40 +14343,40 @@
           <a:p>
             <a:pPr algn="ctr"/>
             <a:r>
-              <a:rPr lang="en-US">
+              <a:rPr lang="en-US" dirty="0">
                 <a:latin typeface="Times New Roman" panose="02020603050405020304" pitchFamily="18" charset="0"/>
                 <a:cs typeface="Times New Roman" panose="02020603050405020304" pitchFamily="18" charset="0"/>
               </a:rPr>
               <a:t/>
             </a:r>
             <a:br>
-              <a:rPr lang="en-US">
+              <a:rPr lang="en-US" dirty="0">
                 <a:latin typeface="Times New Roman" panose="02020603050405020304" pitchFamily="18" charset="0"/>
                 <a:cs typeface="Times New Roman" panose="02020603050405020304" pitchFamily="18" charset="0"/>
               </a:rPr>
             </a:br>
             <a:r>
-              <a:rPr lang="en-US" sz="3700" b="1">
+              <a:rPr lang="en-US" sz="3700" b="1" dirty="0">
                 <a:latin typeface="Times New Roman" panose="02020603050405020304" pitchFamily="18" charset="0"/>
                 <a:cs typeface="Times New Roman" panose="02020603050405020304" pitchFamily="18" charset="0"/>
               </a:rPr>
               <a:t>BÁO CÁO KHÓA LUẬN TỐT NGHIỆP</a:t>
             </a:r>
             <a:r>
-              <a:rPr lang="en-US">
+              <a:rPr lang="en-US" dirty="0">
                 <a:latin typeface="Times New Roman" panose="02020603050405020304" pitchFamily="18" charset="0"/>
                 <a:cs typeface="Times New Roman" panose="02020603050405020304" pitchFamily="18" charset="0"/>
               </a:rPr>
               <a:t/>
             </a:r>
             <a:br>
-              <a:rPr lang="en-US">
+              <a:rPr lang="en-US" dirty="0">
                 <a:latin typeface="Times New Roman" panose="02020603050405020304" pitchFamily="18" charset="0"/>
                 <a:cs typeface="Times New Roman" panose="02020603050405020304" pitchFamily="18" charset="0"/>
               </a:rPr>
             </a:br>
             <a:r>
-              <a:rPr lang="en-US" sz="2800" b="1">
+              <a:rPr lang="en-US" sz="2800" b="1" dirty="0">
                 <a:solidFill>
                   <a:srgbClr val="595959"/>
                 </a:solidFill>
@@ -14476,19 +14386,19 @@
               <a:t>XÂY DỰNG WEBSITE HỌC TIẾNG NHẬT</a:t>
             </a:r>
             <a:r>
-              <a:rPr lang="en-US">
+              <a:rPr lang="en-US" dirty="0">
                 <a:latin typeface="Times New Roman" panose="02020603050405020304" pitchFamily="18" charset="0"/>
                 <a:cs typeface="Times New Roman" panose="02020603050405020304" pitchFamily="18" charset="0"/>
               </a:rPr>
               <a:t/>
             </a:r>
             <a:br>
-              <a:rPr lang="en-US">
+              <a:rPr lang="en-US" dirty="0">
                 <a:latin typeface="Times New Roman" panose="02020603050405020304" pitchFamily="18" charset="0"/>
                 <a:cs typeface="Times New Roman" panose="02020603050405020304" pitchFamily="18" charset="0"/>
               </a:rPr>
             </a:br>
-            <a:endParaRPr lang="en-US">
+            <a:endParaRPr lang="en-US" dirty="0">
               <a:latin typeface="Times New Roman" panose="02020603050405020304" pitchFamily="18" charset="0"/>
               <a:cs typeface="Times New Roman" panose="02020603050405020304" pitchFamily="18" charset="0"/>
             </a:endParaRPr>
@@ -14674,30 +14584,50 @@
         </p:nvSpPr>
         <p:spPr/>
         <p:txBody>
-          <a:bodyPr/>
+          <a:bodyPr>
+            <a:normAutofit/>
+          </a:bodyPr>
           <a:lstStyle/>
           <a:p>
             <a:r>
-              <a:rPr lang="en-US" dirty="0" smtClean="0"/>
+              <a:rPr lang="en-US" sz="4000" dirty="0" smtClean="0">
+                <a:latin typeface="Times New Roman" panose="02020603050405020304" pitchFamily="18" charset="0"/>
+                <a:cs typeface="Times New Roman" panose="02020603050405020304" pitchFamily="18" charset="0"/>
+              </a:rPr>
               <a:t>3. </a:t>
             </a:r>
             <a:r>
-              <a:rPr lang="en-US" dirty="0" err="1" smtClean="0"/>
+              <a:rPr lang="en-US" sz="4000" dirty="0" err="1" smtClean="0">
+                <a:latin typeface="Times New Roman" panose="02020603050405020304" pitchFamily="18" charset="0"/>
+                <a:cs typeface="Times New Roman" panose="02020603050405020304" pitchFamily="18" charset="0"/>
+              </a:rPr>
               <a:t>Thiết</a:t>
             </a:r>
             <a:r>
-              <a:rPr lang="en-US" dirty="0" smtClean="0"/>
-              <a:t> </a:t>
-            </a:r>
-            <a:r>
-              <a:rPr lang="en-US" dirty="0" err="1" smtClean="0"/>
+              <a:rPr lang="en-US" sz="4000" dirty="0" smtClean="0">
+                <a:latin typeface="Times New Roman" panose="02020603050405020304" pitchFamily="18" charset="0"/>
+                <a:cs typeface="Times New Roman" panose="02020603050405020304" pitchFamily="18" charset="0"/>
+              </a:rPr>
+              <a:t> </a:t>
+            </a:r>
+            <a:r>
+              <a:rPr lang="en-US" sz="4000" dirty="0" err="1" smtClean="0">
+                <a:latin typeface="Times New Roman" panose="02020603050405020304" pitchFamily="18" charset="0"/>
+                <a:cs typeface="Times New Roman" panose="02020603050405020304" pitchFamily="18" charset="0"/>
+              </a:rPr>
               <a:t>kế</a:t>
             </a:r>
             <a:r>
-              <a:rPr lang="en-US" dirty="0" smtClean="0"/>
+              <a:rPr lang="en-US" sz="4000" dirty="0" smtClean="0">
+                <a:latin typeface="Times New Roman" panose="02020603050405020304" pitchFamily="18" charset="0"/>
+                <a:cs typeface="Times New Roman" panose="02020603050405020304" pitchFamily="18" charset="0"/>
+              </a:rPr>
               <a:t> CSDL</a:t>
             </a:r>
-            <a:endParaRPr lang="en-US" dirty="0"/>
+            <a:endParaRPr lang="en-US" sz="4000" dirty="0">
+              <a:latin typeface="Times New Roman" panose="02020603050405020304" pitchFamily="18" charset="0"/>
+              <a:cs typeface="Times New Roman" panose="02020603050405020304" pitchFamily="18" charset="0"/>
+            </a:endParaRPr>
           </a:p>
         </p:txBody>
       </p:sp>
@@ -14813,66 +14743,113 @@
         </p:nvSpPr>
         <p:spPr/>
         <p:txBody>
-          <a:bodyPr/>
+          <a:bodyPr>
+            <a:normAutofit/>
+          </a:bodyPr>
           <a:lstStyle/>
           <a:p>
             <a:r>
-              <a:rPr lang="en-US" dirty="0" smtClean="0"/>
+              <a:rPr lang="en-US" sz="4000" dirty="0" smtClean="0">
+                <a:latin typeface="Times New Roman" panose="02020603050405020304" pitchFamily="18" charset="0"/>
+                <a:cs typeface="Times New Roman" panose="02020603050405020304" pitchFamily="18" charset="0"/>
+              </a:rPr>
               <a:t>4. </a:t>
             </a:r>
             <a:r>
-              <a:rPr lang="en-US" dirty="0" err="1" smtClean="0"/>
+              <a:rPr lang="en-US" sz="4000" dirty="0" err="1" smtClean="0">
+                <a:latin typeface="Times New Roman" panose="02020603050405020304" pitchFamily="18" charset="0"/>
+                <a:cs typeface="Times New Roman" panose="02020603050405020304" pitchFamily="18" charset="0"/>
+              </a:rPr>
               <a:t>Thiết</a:t>
             </a:r>
             <a:r>
-              <a:rPr lang="en-US" dirty="0" smtClean="0"/>
-              <a:t> </a:t>
-            </a:r>
-            <a:r>
-              <a:rPr lang="en-US" dirty="0" err="1" smtClean="0"/>
+              <a:rPr lang="en-US" sz="4000" dirty="0" smtClean="0">
+                <a:latin typeface="Times New Roman" panose="02020603050405020304" pitchFamily="18" charset="0"/>
+                <a:cs typeface="Times New Roman" panose="02020603050405020304" pitchFamily="18" charset="0"/>
+              </a:rPr>
+              <a:t> </a:t>
+            </a:r>
+            <a:r>
+              <a:rPr lang="en-US" sz="4000" dirty="0" err="1" smtClean="0">
+                <a:latin typeface="Times New Roman" panose="02020603050405020304" pitchFamily="18" charset="0"/>
+                <a:cs typeface="Times New Roman" panose="02020603050405020304" pitchFamily="18" charset="0"/>
+              </a:rPr>
               <a:t>kế</a:t>
             </a:r>
             <a:r>
-              <a:rPr lang="en-US" dirty="0" smtClean="0"/>
-              <a:t> </a:t>
-            </a:r>
-            <a:r>
-              <a:rPr lang="en-US" dirty="0" err="1" smtClean="0"/>
+              <a:rPr lang="en-US" sz="4000" dirty="0" smtClean="0">
+                <a:latin typeface="Times New Roman" panose="02020603050405020304" pitchFamily="18" charset="0"/>
+                <a:cs typeface="Times New Roman" panose="02020603050405020304" pitchFamily="18" charset="0"/>
+              </a:rPr>
+              <a:t> </a:t>
+            </a:r>
+            <a:r>
+              <a:rPr lang="en-US" sz="4000" dirty="0" err="1" smtClean="0">
+                <a:latin typeface="Times New Roman" panose="02020603050405020304" pitchFamily="18" charset="0"/>
+                <a:cs typeface="Times New Roman" panose="02020603050405020304" pitchFamily="18" charset="0"/>
+              </a:rPr>
               <a:t>giao</a:t>
             </a:r>
             <a:r>
-              <a:rPr lang="en-US" dirty="0" smtClean="0"/>
-              <a:t> </a:t>
-            </a:r>
-            <a:r>
-              <a:rPr lang="en-US" dirty="0" err="1" smtClean="0"/>
+              <a:rPr lang="en-US" sz="4000" dirty="0" smtClean="0">
+                <a:latin typeface="Times New Roman" panose="02020603050405020304" pitchFamily="18" charset="0"/>
+                <a:cs typeface="Times New Roman" panose="02020603050405020304" pitchFamily="18" charset="0"/>
+              </a:rPr>
+              <a:t> </a:t>
+            </a:r>
+            <a:r>
+              <a:rPr lang="en-US" sz="4000" dirty="0" err="1" smtClean="0">
+                <a:latin typeface="Times New Roman" panose="02020603050405020304" pitchFamily="18" charset="0"/>
+                <a:cs typeface="Times New Roman" panose="02020603050405020304" pitchFamily="18" charset="0"/>
+              </a:rPr>
               <a:t>diện</a:t>
             </a:r>
             <a:r>
-              <a:rPr lang="en-US" dirty="0" smtClean="0"/>
-              <a:t> </a:t>
-            </a:r>
-            <a:r>
-              <a:rPr lang="en-US" dirty="0" err="1" smtClean="0"/>
+              <a:rPr lang="en-US" sz="4000" dirty="0" smtClean="0">
+                <a:latin typeface="Times New Roman" panose="02020603050405020304" pitchFamily="18" charset="0"/>
+                <a:cs typeface="Times New Roman" panose="02020603050405020304" pitchFamily="18" charset="0"/>
+              </a:rPr>
+              <a:t> </a:t>
+            </a:r>
+            <a:r>
+              <a:rPr lang="en-US" sz="4000" dirty="0" err="1" smtClean="0">
+                <a:latin typeface="Times New Roman" panose="02020603050405020304" pitchFamily="18" charset="0"/>
+                <a:cs typeface="Times New Roman" panose="02020603050405020304" pitchFamily="18" charset="0"/>
+              </a:rPr>
               <a:t>và</a:t>
             </a:r>
             <a:r>
-              <a:rPr lang="en-US" dirty="0" smtClean="0"/>
-              <a:t> </a:t>
-            </a:r>
-            <a:r>
-              <a:rPr lang="en-US" dirty="0" err="1" smtClean="0"/>
+              <a:rPr lang="en-US" sz="4000" dirty="0" smtClean="0">
+                <a:latin typeface="Times New Roman" panose="02020603050405020304" pitchFamily="18" charset="0"/>
+                <a:cs typeface="Times New Roman" panose="02020603050405020304" pitchFamily="18" charset="0"/>
+              </a:rPr>
+              <a:t> </a:t>
+            </a:r>
+            <a:r>
+              <a:rPr lang="en-US" sz="4000" dirty="0" err="1" smtClean="0">
+                <a:latin typeface="Times New Roman" panose="02020603050405020304" pitchFamily="18" charset="0"/>
+                <a:cs typeface="Times New Roman" panose="02020603050405020304" pitchFamily="18" charset="0"/>
+              </a:rPr>
               <a:t>xử</a:t>
             </a:r>
             <a:r>
-              <a:rPr lang="en-US" dirty="0" smtClean="0"/>
-              <a:t> </a:t>
-            </a:r>
-            <a:r>
-              <a:rPr lang="en-US" dirty="0" err="1" smtClean="0"/>
+              <a:rPr lang="en-US" sz="4000" dirty="0" smtClean="0">
+                <a:latin typeface="Times New Roman" panose="02020603050405020304" pitchFamily="18" charset="0"/>
+                <a:cs typeface="Times New Roman" panose="02020603050405020304" pitchFamily="18" charset="0"/>
+              </a:rPr>
+              <a:t> </a:t>
+            </a:r>
+            <a:r>
+              <a:rPr lang="en-US" sz="4000" dirty="0" err="1" smtClean="0">
+                <a:latin typeface="Times New Roman" panose="02020603050405020304" pitchFamily="18" charset="0"/>
+                <a:cs typeface="Times New Roman" panose="02020603050405020304" pitchFamily="18" charset="0"/>
+              </a:rPr>
               <a:t>lý</a:t>
             </a:r>
-            <a:endParaRPr lang="en-US" dirty="0"/>
+            <a:endParaRPr lang="en-US" sz="4000" dirty="0">
+              <a:latin typeface="Times New Roman" panose="02020603050405020304" pitchFamily="18" charset="0"/>
+              <a:cs typeface="Times New Roman" panose="02020603050405020304" pitchFamily="18" charset="0"/>
+            </a:endParaRPr>
           </a:p>
         </p:txBody>
       </p:sp>
@@ -15043,66 +15020,113 @@
         </p:nvSpPr>
         <p:spPr/>
         <p:txBody>
-          <a:bodyPr/>
+          <a:bodyPr>
+            <a:normAutofit/>
+          </a:bodyPr>
           <a:lstStyle/>
           <a:p>
             <a:r>
-              <a:rPr lang="en-US" dirty="0" smtClean="0"/>
+              <a:rPr lang="en-US" sz="4000" dirty="0" smtClean="0">
+                <a:latin typeface="Times New Roman" panose="02020603050405020304" pitchFamily="18" charset="0"/>
+                <a:cs typeface="Times New Roman" panose="02020603050405020304" pitchFamily="18" charset="0"/>
+              </a:rPr>
               <a:t>4. </a:t>
             </a:r>
             <a:r>
-              <a:rPr lang="en-US" dirty="0" err="1" smtClean="0"/>
+              <a:rPr lang="en-US" sz="4000" dirty="0" err="1" smtClean="0">
+                <a:latin typeface="Times New Roman" panose="02020603050405020304" pitchFamily="18" charset="0"/>
+                <a:cs typeface="Times New Roman" panose="02020603050405020304" pitchFamily="18" charset="0"/>
+              </a:rPr>
               <a:t>Thiết</a:t>
             </a:r>
             <a:r>
-              <a:rPr lang="en-US" dirty="0" smtClean="0"/>
-              <a:t> </a:t>
-            </a:r>
-            <a:r>
-              <a:rPr lang="en-US" dirty="0" err="1" smtClean="0"/>
+              <a:rPr lang="en-US" sz="4000" dirty="0" smtClean="0">
+                <a:latin typeface="Times New Roman" panose="02020603050405020304" pitchFamily="18" charset="0"/>
+                <a:cs typeface="Times New Roman" panose="02020603050405020304" pitchFamily="18" charset="0"/>
+              </a:rPr>
+              <a:t> </a:t>
+            </a:r>
+            <a:r>
+              <a:rPr lang="en-US" sz="4000" dirty="0" err="1" smtClean="0">
+                <a:latin typeface="Times New Roman" panose="02020603050405020304" pitchFamily="18" charset="0"/>
+                <a:cs typeface="Times New Roman" panose="02020603050405020304" pitchFamily="18" charset="0"/>
+              </a:rPr>
               <a:t>kế</a:t>
             </a:r>
             <a:r>
-              <a:rPr lang="en-US" dirty="0" smtClean="0"/>
-              <a:t> </a:t>
-            </a:r>
-            <a:r>
-              <a:rPr lang="en-US" dirty="0" err="1" smtClean="0"/>
+              <a:rPr lang="en-US" sz="4000" dirty="0" smtClean="0">
+                <a:latin typeface="Times New Roman" panose="02020603050405020304" pitchFamily="18" charset="0"/>
+                <a:cs typeface="Times New Roman" panose="02020603050405020304" pitchFamily="18" charset="0"/>
+              </a:rPr>
+              <a:t> </a:t>
+            </a:r>
+            <a:r>
+              <a:rPr lang="en-US" sz="4000" dirty="0" err="1" smtClean="0">
+                <a:latin typeface="Times New Roman" panose="02020603050405020304" pitchFamily="18" charset="0"/>
+                <a:cs typeface="Times New Roman" panose="02020603050405020304" pitchFamily="18" charset="0"/>
+              </a:rPr>
               <a:t>giao</a:t>
             </a:r>
             <a:r>
-              <a:rPr lang="en-US" dirty="0" smtClean="0"/>
-              <a:t> </a:t>
-            </a:r>
-            <a:r>
-              <a:rPr lang="en-US" dirty="0" err="1" smtClean="0"/>
+              <a:rPr lang="en-US" sz="4000" dirty="0" smtClean="0">
+                <a:latin typeface="Times New Roman" panose="02020603050405020304" pitchFamily="18" charset="0"/>
+                <a:cs typeface="Times New Roman" panose="02020603050405020304" pitchFamily="18" charset="0"/>
+              </a:rPr>
+              <a:t> </a:t>
+            </a:r>
+            <a:r>
+              <a:rPr lang="en-US" sz="4000" dirty="0" err="1" smtClean="0">
+                <a:latin typeface="Times New Roman" panose="02020603050405020304" pitchFamily="18" charset="0"/>
+                <a:cs typeface="Times New Roman" panose="02020603050405020304" pitchFamily="18" charset="0"/>
+              </a:rPr>
               <a:t>diện</a:t>
             </a:r>
             <a:r>
-              <a:rPr lang="en-US" dirty="0" smtClean="0"/>
-              <a:t> </a:t>
-            </a:r>
-            <a:r>
-              <a:rPr lang="en-US" dirty="0" err="1" smtClean="0"/>
+              <a:rPr lang="en-US" sz="4000" dirty="0" smtClean="0">
+                <a:latin typeface="Times New Roman" panose="02020603050405020304" pitchFamily="18" charset="0"/>
+                <a:cs typeface="Times New Roman" panose="02020603050405020304" pitchFamily="18" charset="0"/>
+              </a:rPr>
+              <a:t> </a:t>
+            </a:r>
+            <a:r>
+              <a:rPr lang="en-US" sz="4000" dirty="0" err="1" smtClean="0">
+                <a:latin typeface="Times New Roman" panose="02020603050405020304" pitchFamily="18" charset="0"/>
+                <a:cs typeface="Times New Roman" panose="02020603050405020304" pitchFamily="18" charset="0"/>
+              </a:rPr>
               <a:t>và</a:t>
             </a:r>
             <a:r>
-              <a:rPr lang="en-US" dirty="0" smtClean="0"/>
-              <a:t> </a:t>
-            </a:r>
-            <a:r>
-              <a:rPr lang="en-US" dirty="0" err="1" smtClean="0"/>
+              <a:rPr lang="en-US" sz="4000" dirty="0" smtClean="0">
+                <a:latin typeface="Times New Roman" panose="02020603050405020304" pitchFamily="18" charset="0"/>
+                <a:cs typeface="Times New Roman" panose="02020603050405020304" pitchFamily="18" charset="0"/>
+              </a:rPr>
+              <a:t> </a:t>
+            </a:r>
+            <a:r>
+              <a:rPr lang="en-US" sz="4000" dirty="0" err="1" smtClean="0">
+                <a:latin typeface="Times New Roman" panose="02020603050405020304" pitchFamily="18" charset="0"/>
+                <a:cs typeface="Times New Roman" panose="02020603050405020304" pitchFamily="18" charset="0"/>
+              </a:rPr>
               <a:t>xử</a:t>
             </a:r>
             <a:r>
-              <a:rPr lang="en-US" dirty="0" smtClean="0"/>
-              <a:t> </a:t>
-            </a:r>
-            <a:r>
-              <a:rPr lang="en-US" dirty="0" err="1" smtClean="0"/>
+              <a:rPr lang="en-US" sz="4000" dirty="0" smtClean="0">
+                <a:latin typeface="Times New Roman" panose="02020603050405020304" pitchFamily="18" charset="0"/>
+                <a:cs typeface="Times New Roman" panose="02020603050405020304" pitchFamily="18" charset="0"/>
+              </a:rPr>
+              <a:t> </a:t>
+            </a:r>
+            <a:r>
+              <a:rPr lang="en-US" sz="4000" dirty="0" err="1" smtClean="0">
+                <a:latin typeface="Times New Roman" panose="02020603050405020304" pitchFamily="18" charset="0"/>
+                <a:cs typeface="Times New Roman" panose="02020603050405020304" pitchFamily="18" charset="0"/>
+              </a:rPr>
               <a:t>lý</a:t>
             </a:r>
-            <a:endParaRPr lang="en-US" dirty="0"/>
+            <a:endParaRPr lang="en-US" sz="4000" dirty="0">
+              <a:latin typeface="Times New Roman" panose="02020603050405020304" pitchFamily="18" charset="0"/>
+              <a:cs typeface="Times New Roman" panose="02020603050405020304" pitchFamily="18" charset="0"/>
+            </a:endParaRPr>
           </a:p>
         </p:txBody>
       </p:sp>
@@ -15181,7 +15205,7 @@
         </p:blipFill>
         <p:spPr>
           <a:xfrm>
-            <a:off x="1260629" y="1699863"/>
+            <a:off x="1260629" y="1757737"/>
             <a:ext cx="9669224" cy="5001323"/>
           </a:xfrm>
           <a:prstGeom prst="rect">
@@ -16029,11 +16053,32 @@
           <a:lstStyle/>
           <a:p>
             <a:r>
-              <a:rPr lang="en-US" sz="4000">
+              <a:rPr lang="en-US" sz="4000" dirty="0">
                 <a:latin typeface="Times New Roman"/>
                 <a:cs typeface="Times New Roman"/>
               </a:rPr>
-              <a:t>5. Kết luận</a:t>
+              <a:t>5. </a:t>
+            </a:r>
+            <a:r>
+              <a:rPr lang="en-US" sz="4000" dirty="0" err="1">
+                <a:latin typeface="Times New Roman"/>
+                <a:cs typeface="Times New Roman"/>
+              </a:rPr>
+              <a:t>Kết</a:t>
+            </a:r>
+            <a:r>
+              <a:rPr lang="en-US" sz="4000" dirty="0">
+                <a:latin typeface="Times New Roman"/>
+                <a:cs typeface="Times New Roman"/>
+              </a:rPr>
+              <a:t> </a:t>
+            </a:r>
+            <a:r>
+              <a:rPr lang="en-US" sz="4000" dirty="0" err="1">
+                <a:latin typeface="Times New Roman"/>
+                <a:cs typeface="Times New Roman"/>
+              </a:rPr>
+              <a:t>luận</a:t>
             </a:r>
             <a:endParaRPr lang="en-US" sz="4000" dirty="0">
               <a:latin typeface="Times New Roman"/>
@@ -16302,7 +16347,7 @@
           <a:lstStyle/>
           <a:p>
             <a:r>
-              <a:rPr lang="en-US" sz="4000" err="1">
+              <a:rPr lang="en-US" sz="4000" dirty="0" err="1">
                 <a:latin typeface="Times New Roman"/>
                 <a:cs typeface="Times New Roman"/>
               </a:rPr>
@@ -20606,12 +20651,65 @@
           <a:lstStyle/>
           <a:p>
             <a:r>
-              <a:rPr lang="en-US" sz="4000">
+              <a:rPr lang="en-US" sz="4000" dirty="0">
                 <a:latin typeface="Times New Roman"/>
                 <a:cs typeface="Times New Roman"/>
               </a:rPr>
-              <a:t>2. Khảo sát hiện trạng</a:t>
-            </a:r>
+              <a:t>2. </a:t>
+            </a:r>
+            <a:r>
+              <a:rPr lang="en-US" sz="4000" dirty="0" err="1">
+                <a:latin typeface="Times New Roman"/>
+                <a:cs typeface="Times New Roman"/>
+              </a:rPr>
+              <a:t>Khảo</a:t>
+            </a:r>
+            <a:r>
+              <a:rPr lang="en-US" sz="4000" dirty="0">
+                <a:latin typeface="Times New Roman"/>
+                <a:cs typeface="Times New Roman"/>
+              </a:rPr>
+              <a:t> </a:t>
+            </a:r>
+            <a:r>
+              <a:rPr lang="en-US" sz="4000" dirty="0" err="1">
+                <a:latin typeface="Times New Roman"/>
+                <a:cs typeface="Times New Roman"/>
+              </a:rPr>
+              <a:t>sát</a:t>
+            </a:r>
+            <a:r>
+              <a:rPr lang="en-US" sz="4000" dirty="0">
+                <a:latin typeface="Times New Roman"/>
+                <a:cs typeface="Times New Roman"/>
+              </a:rPr>
+              <a:t> </a:t>
+            </a:r>
+            <a:r>
+              <a:rPr lang="en-US" sz="4000" dirty="0" err="1">
+                <a:latin typeface="Times New Roman"/>
+                <a:cs typeface="Times New Roman"/>
+              </a:rPr>
+              <a:t>hiện</a:t>
+            </a:r>
+            <a:r>
+              <a:rPr lang="en-US" sz="4000" dirty="0">
+                <a:latin typeface="Times New Roman"/>
+                <a:cs typeface="Times New Roman"/>
+              </a:rPr>
+              <a:t> </a:t>
+            </a:r>
+            <a:r>
+              <a:rPr lang="en-US" sz="4000" dirty="0" err="1">
+                <a:latin typeface="Times New Roman"/>
+                <a:cs typeface="Times New Roman"/>
+              </a:rPr>
+              <a:t>trạng</a:t>
+            </a:r>
+            <a:endParaRPr lang="en-US" sz="4000" dirty="0">
+              <a:latin typeface="Times New Roman"/>
+              <a:cs typeface="Times New Roman"/>
+            </a:endParaRPr>
           </a:p>
         </p:txBody>
       </p:sp>

--- a/Website-jp-pp.pptx
+++ b/Website-jp-pp.pptx
@@ -5,10 +5,10 @@
     <p:sldMasterId id="2147483648" r:id="rId1"/>
   </p:sldMasterIdLst>
   <p:notesMasterIdLst>
-    <p:notesMasterId r:id="rId18"/>
+    <p:notesMasterId r:id="rId19"/>
   </p:notesMasterIdLst>
   <p:handoutMasterIdLst>
-    <p:handoutMasterId r:id="rId19"/>
+    <p:handoutMasterId r:id="rId20"/>
   </p:handoutMasterIdLst>
   <p:sldIdLst>
     <p:sldId id="269" r:id="rId2"/>
@@ -27,6 +27,7 @@
     <p:sldId id="277" r:id="rId15"/>
     <p:sldId id="278" r:id="rId16"/>
     <p:sldId id="279" r:id="rId17"/>
+    <p:sldId id="282" r:id="rId18"/>
   </p:sldIdLst>
   <p:sldSz cx="12192000" cy="6858000"/>
   <p:notesSz cx="6858000" cy="9144000"/>
@@ -7247,19 +7248,7 @@
                 <a:cs typeface="Times New Roman"/>
                 <a:sym typeface="Times New Roman"/>
               </a:rPr>
-              <a:t>Ôn tập, bài tập kiểm </a:t>
-            </a:r>
-            <a:r>
-              <a:rPr lang="vi-VN" dirty="0" smtClean="0">
-                <a:solidFill>
-                  <a:schemeClr val="dk1"/>
-                </a:solidFill>
-                <a:latin typeface="Times New Roman"/>
-                <a:ea typeface="Times New Roman"/>
-                <a:cs typeface="Times New Roman"/>
-                <a:sym typeface="Times New Roman"/>
-              </a:rPr>
-              <a:t>tra</a:t>
+              <a:t>Ôn tập, bài tập kiểm tra</a:t>
             </a:r>
           </a:p>
           <a:p>
@@ -7286,15 +7275,7 @@
                   <a:schemeClr val="dk1"/>
                 </a:solidFill>
               </a:rPr>
-              <a:t>Ưu </a:t>
-            </a:r>
-            <a:r>
-              <a:rPr lang="vi-VN" dirty="0" smtClean="0">
-                <a:solidFill>
-                  <a:schemeClr val="dk1"/>
-                </a:solidFill>
-              </a:rPr>
-              <a:t>điểm:</a:t>
+              <a:t>Ưu điểm:</a:t>
             </a:r>
           </a:p>
           <a:p>
@@ -14877,38 +14858,65 @@
               <a:buNone/>
             </a:pPr>
             <a:r>
-              <a:rPr lang="en-US" dirty="0" smtClean="0"/>
+              <a:rPr lang="en-US" dirty="0" smtClean="0">
+                <a:latin typeface="Times New Roman" panose="02020603050405020304" pitchFamily="18" charset="0"/>
+                <a:cs typeface="Times New Roman" panose="02020603050405020304" pitchFamily="18" charset="0"/>
+              </a:rPr>
               <a:t>a) </a:t>
             </a:r>
             <a:r>
-              <a:rPr lang="en-US" dirty="0" err="1" smtClean="0"/>
+              <a:rPr lang="en-US" dirty="0" err="1" smtClean="0">
+                <a:latin typeface="Times New Roman" panose="02020603050405020304" pitchFamily="18" charset="0"/>
+                <a:cs typeface="Times New Roman" panose="02020603050405020304" pitchFamily="18" charset="0"/>
+              </a:rPr>
               <a:t>thiết</a:t>
             </a:r>
             <a:r>
-              <a:rPr lang="en-US" dirty="0" smtClean="0"/>
-              <a:t> </a:t>
-            </a:r>
-            <a:r>
-              <a:rPr lang="en-US" dirty="0" err="1" smtClean="0"/>
+              <a:rPr lang="en-US" dirty="0" smtClean="0">
+                <a:latin typeface="Times New Roman" panose="02020603050405020304" pitchFamily="18" charset="0"/>
+                <a:cs typeface="Times New Roman" panose="02020603050405020304" pitchFamily="18" charset="0"/>
+              </a:rPr>
+              <a:t> </a:t>
+            </a:r>
+            <a:r>
+              <a:rPr lang="en-US" dirty="0" err="1" smtClean="0">
+                <a:latin typeface="Times New Roman" panose="02020603050405020304" pitchFamily="18" charset="0"/>
+                <a:cs typeface="Times New Roman" panose="02020603050405020304" pitchFamily="18" charset="0"/>
+              </a:rPr>
               <a:t>kế</a:t>
             </a:r>
             <a:r>
-              <a:rPr lang="en-US" dirty="0" smtClean="0"/>
-              <a:t> </a:t>
-            </a:r>
-            <a:r>
-              <a:rPr lang="en-US" dirty="0" err="1" smtClean="0"/>
+              <a:rPr lang="en-US" dirty="0" smtClean="0">
+                <a:latin typeface="Times New Roman" panose="02020603050405020304" pitchFamily="18" charset="0"/>
+                <a:cs typeface="Times New Roman" panose="02020603050405020304" pitchFamily="18" charset="0"/>
+              </a:rPr>
+              <a:t> </a:t>
+            </a:r>
+            <a:r>
+              <a:rPr lang="en-US" dirty="0" err="1" smtClean="0">
+                <a:latin typeface="Times New Roman" panose="02020603050405020304" pitchFamily="18" charset="0"/>
+                <a:cs typeface="Times New Roman" panose="02020603050405020304" pitchFamily="18" charset="0"/>
+              </a:rPr>
               <a:t>giao</a:t>
             </a:r>
             <a:r>
-              <a:rPr lang="en-US" dirty="0" smtClean="0"/>
-              <a:t> </a:t>
-            </a:r>
-            <a:r>
-              <a:rPr lang="en-US" dirty="0" err="1" smtClean="0"/>
+              <a:rPr lang="en-US" dirty="0" smtClean="0">
+                <a:latin typeface="Times New Roman" panose="02020603050405020304" pitchFamily="18" charset="0"/>
+                <a:cs typeface="Times New Roman" panose="02020603050405020304" pitchFamily="18" charset="0"/>
+              </a:rPr>
+              <a:t> </a:t>
+            </a:r>
+            <a:r>
+              <a:rPr lang="en-US" dirty="0" err="1" smtClean="0">
+                <a:latin typeface="Times New Roman" panose="02020603050405020304" pitchFamily="18" charset="0"/>
+                <a:cs typeface="Times New Roman" panose="02020603050405020304" pitchFamily="18" charset="0"/>
+              </a:rPr>
               <a:t>diện</a:t>
             </a:r>
-            <a:endParaRPr lang="en-US" dirty="0"/>
+            <a:endParaRPr lang="en-US" dirty="0">
+              <a:latin typeface="Times New Roman" panose="02020603050405020304" pitchFamily="18" charset="0"/>
+              <a:cs typeface="Times New Roman" panose="02020603050405020304" pitchFamily="18" charset="0"/>
+            </a:endParaRPr>
           </a:p>
         </p:txBody>
       </p:sp>
@@ -15147,45 +15155,74 @@
           </a:xfrm>
         </p:spPr>
         <p:txBody>
-          <a:bodyPr/>
+          <a:bodyPr>
+            <a:normAutofit/>
+          </a:bodyPr>
           <a:lstStyle/>
           <a:p>
             <a:pPr marL="0" indent="0">
               <a:buNone/>
             </a:pPr>
             <a:r>
-              <a:rPr lang="en-US" dirty="0" smtClean="0"/>
+              <a:rPr lang="en-US" dirty="0" smtClean="0">
+                <a:latin typeface="Times New Roman" panose="02020603050405020304" pitchFamily="18" charset="0"/>
+                <a:cs typeface="Times New Roman" panose="02020603050405020304" pitchFamily="18" charset="0"/>
+              </a:rPr>
               <a:t>a) </a:t>
             </a:r>
             <a:r>
-              <a:rPr lang="en-US" dirty="0" err="1" smtClean="0"/>
+              <a:rPr lang="en-US" dirty="0" err="1" smtClean="0">
+                <a:latin typeface="Times New Roman" panose="02020603050405020304" pitchFamily="18" charset="0"/>
+                <a:cs typeface="Times New Roman" panose="02020603050405020304" pitchFamily="18" charset="0"/>
+              </a:rPr>
               <a:t>thiết</a:t>
             </a:r>
             <a:r>
-              <a:rPr lang="en-US" dirty="0" smtClean="0"/>
-              <a:t> </a:t>
-            </a:r>
-            <a:r>
-              <a:rPr lang="en-US" dirty="0" err="1" smtClean="0"/>
+              <a:rPr lang="en-US" dirty="0" smtClean="0">
+                <a:latin typeface="Times New Roman" panose="02020603050405020304" pitchFamily="18" charset="0"/>
+                <a:cs typeface="Times New Roman" panose="02020603050405020304" pitchFamily="18" charset="0"/>
+              </a:rPr>
+              <a:t> </a:t>
+            </a:r>
+            <a:r>
+              <a:rPr lang="en-US" dirty="0" err="1" smtClean="0">
+                <a:latin typeface="Times New Roman" panose="02020603050405020304" pitchFamily="18" charset="0"/>
+                <a:cs typeface="Times New Roman" panose="02020603050405020304" pitchFamily="18" charset="0"/>
+              </a:rPr>
               <a:t>kế</a:t>
             </a:r>
             <a:r>
-              <a:rPr lang="en-US" dirty="0" smtClean="0"/>
-              <a:t> </a:t>
-            </a:r>
-            <a:r>
-              <a:rPr lang="en-US" dirty="0" err="1" smtClean="0"/>
+              <a:rPr lang="en-US" dirty="0" smtClean="0">
+                <a:latin typeface="Times New Roman" panose="02020603050405020304" pitchFamily="18" charset="0"/>
+                <a:cs typeface="Times New Roman" panose="02020603050405020304" pitchFamily="18" charset="0"/>
+              </a:rPr>
+              <a:t> </a:t>
+            </a:r>
+            <a:r>
+              <a:rPr lang="en-US" dirty="0" err="1" smtClean="0">
+                <a:latin typeface="Times New Roman" panose="02020603050405020304" pitchFamily="18" charset="0"/>
+                <a:cs typeface="Times New Roman" panose="02020603050405020304" pitchFamily="18" charset="0"/>
+              </a:rPr>
               <a:t>xử</a:t>
             </a:r>
             <a:r>
-              <a:rPr lang="en-US" dirty="0" smtClean="0"/>
-              <a:t> </a:t>
-            </a:r>
-            <a:r>
-              <a:rPr lang="en-US" dirty="0" err="1" smtClean="0"/>
+              <a:rPr lang="en-US" dirty="0" smtClean="0">
+                <a:latin typeface="Times New Roman" panose="02020603050405020304" pitchFamily="18" charset="0"/>
+                <a:cs typeface="Times New Roman" panose="02020603050405020304" pitchFamily="18" charset="0"/>
+              </a:rPr>
+              <a:t> </a:t>
+            </a:r>
+            <a:r>
+              <a:rPr lang="en-US" dirty="0" err="1" smtClean="0">
+                <a:latin typeface="Times New Roman" panose="02020603050405020304" pitchFamily="18" charset="0"/>
+                <a:cs typeface="Times New Roman" panose="02020603050405020304" pitchFamily="18" charset="0"/>
+              </a:rPr>
               <a:t>lý</a:t>
             </a:r>
-            <a:endParaRPr lang="en-US" dirty="0"/>
+            <a:endParaRPr lang="en-US" dirty="0">
+              <a:latin typeface="Times New Roman" panose="02020603050405020304" pitchFamily="18" charset="0"/>
+              <a:cs typeface="Times New Roman" panose="02020603050405020304" pitchFamily="18" charset="0"/>
+            </a:endParaRPr>
           </a:p>
         </p:txBody>
       </p:sp>
@@ -15480,7 +15517,7 @@
         <p:spPr>
           <a:xfrm>
             <a:off x="1103509" y="1526225"/>
-            <a:ext cx="9979418" cy="3139321"/>
+            <a:ext cx="9979418" cy="3477875"/>
           </a:xfrm>
           <a:prstGeom prst="rect">
             <a:avLst/>
@@ -15497,10 +15534,12 @@
           <a:lstStyle/>
           <a:p>
             <a:r>
-              <a:rPr lang="vi-VN"/>
+              <a:rPr lang="vi-VN" sz="2000" dirty="0">
+                <a:latin typeface="Times New Roman" panose="02020603050405020304" pitchFamily="18" charset="0"/>
+                <a:cs typeface="Times New Roman" panose="02020603050405020304" pitchFamily="18" charset="0"/>
+              </a:rPr>
               <a:t>Ưu điểm:</a:t>
             </a:r>
-            <a:endParaRPr lang="vi-VN" dirty="0"/>
           </a:p>
           <a:p>
             <a:pPr marL="285750" indent="-285750">
@@ -15511,7 +15550,10 @@
               <a:buChar char="•"/>
             </a:pPr>
             <a:r>
-              <a:rPr lang="vi-VN"/>
+              <a:rPr lang="vi-VN" sz="2000" dirty="0">
+                <a:latin typeface="Times New Roman" panose="02020603050405020304" pitchFamily="18" charset="0"/>
+                <a:cs typeface="Times New Roman" panose="02020603050405020304" pitchFamily="18" charset="0"/>
+              </a:rPr>
               <a:t>Dễ dàng thao tác sử dụng</a:t>
             </a:r>
           </a:p>
@@ -15524,7 +15566,10 @@
               <a:buChar char="•"/>
             </a:pPr>
             <a:r>
-              <a:rPr lang="vi-VN"/>
+              <a:rPr lang="vi-VN" sz="2000" dirty="0">
+                <a:latin typeface="Times New Roman" panose="02020603050405020304" pitchFamily="18" charset="0"/>
+                <a:cs typeface="Times New Roman" panose="02020603050405020304" pitchFamily="18" charset="0"/>
+              </a:rPr>
               <a:t>Người dùng có thể tạo khoá học với những từ ngữ mà bản thân muốn luyện tập</a:t>
             </a:r>
           </a:p>
@@ -15537,7 +15582,10 @@
               <a:buChar char="•"/>
             </a:pPr>
             <a:r>
-              <a:rPr lang="vi-VN"/>
+              <a:rPr lang="vi-VN" sz="2000" dirty="0">
+                <a:latin typeface="Times New Roman" panose="02020603050405020304" pitchFamily="18" charset="0"/>
+                <a:cs typeface="Times New Roman" panose="02020603050405020304" pitchFamily="18" charset="0"/>
+              </a:rPr>
               <a:t>Người dùng học được các từ ngữ, đoạn hội thoại có tính áp dụng cao</a:t>
             </a:r>
           </a:p>
@@ -15550,7 +15598,10 @@
               <a:buChar char="•"/>
             </a:pPr>
             <a:r>
-              <a:rPr lang="vi-VN"/>
+              <a:rPr lang="vi-VN" sz="2000" dirty="0">
+                <a:latin typeface="Times New Roman" panose="02020603050405020304" pitchFamily="18" charset="0"/>
+                <a:cs typeface="Times New Roman" panose="02020603050405020304" pitchFamily="18" charset="0"/>
+              </a:rPr>
               <a:t>Người dùng có thể tương tác với nhau thông qua mục bình luận và nhắn tin</a:t>
             </a:r>
           </a:p>
@@ -15563,10 +15614,12 @@
               <a:buChar char="•"/>
             </a:pPr>
             <a:r>
-              <a:rPr lang="vi-VN"/>
+              <a:rPr lang="vi-VN" sz="2000" dirty="0">
+                <a:latin typeface="Times New Roman" panose="02020603050405020304" pitchFamily="18" charset="0"/>
+                <a:cs typeface="Times New Roman" panose="02020603050405020304" pitchFamily="18" charset="0"/>
+              </a:rPr>
               <a:t>Sử dụng hai ngôn ngữ song song là tiếng Anh và tiếng Việt</a:t>
             </a:r>
-            <a:endParaRPr lang="vi-VN" dirty="0"/>
           </a:p>
           <a:p>
             <a:pPr marL="285750" indent="-285750">
@@ -15577,12 +15630,18 @@
               <a:buChar char="•"/>
             </a:pPr>
             <a:r>
-              <a:rPr lang="vi-VN"/>
+              <a:rPr lang="vi-VN" sz="2000" dirty="0">
+                <a:latin typeface="Times New Roman" panose="02020603050405020304" pitchFamily="18" charset="0"/>
+                <a:cs typeface="Times New Roman" panose="02020603050405020304" pitchFamily="18" charset="0"/>
+              </a:rPr>
               <a:t>Triển khai trên các nền tảng duyệt web khác nhau</a:t>
             </a:r>
           </a:p>
           <a:p>
-            <a:endParaRPr lang="vi-VN" dirty="0"/>
+            <a:endParaRPr lang="vi-VN" sz="2000" dirty="0">
+              <a:latin typeface="Times New Roman" panose="02020603050405020304" pitchFamily="18" charset="0"/>
+              <a:cs typeface="Times New Roman" panose="02020603050405020304" pitchFamily="18" charset="0"/>
+            </a:endParaRPr>
           </a:p>
         </p:txBody>
       </p:sp>
@@ -15806,7 +15865,7 @@
         <p:spPr>
           <a:xfrm>
             <a:off x="1103509" y="1526225"/>
-            <a:ext cx="9979418" cy="1477328"/>
+            <a:ext cx="9979418" cy="1631216"/>
           </a:xfrm>
           <a:prstGeom prst="rect">
             <a:avLst/>
@@ -15823,10 +15882,12 @@
           <a:lstStyle/>
           <a:p>
             <a:r>
-              <a:rPr lang="vi-VN"/>
+              <a:rPr lang="vi-VN" sz="2000" dirty="0">
+                <a:latin typeface="Times New Roman" panose="02020603050405020304" pitchFamily="18" charset="0"/>
+                <a:cs typeface="Times New Roman" panose="02020603050405020304" pitchFamily="18" charset="0"/>
+              </a:rPr>
               <a:t>Nhược điểm:</a:t>
             </a:r>
-            <a:endParaRPr lang="vi-VN" dirty="0"/>
           </a:p>
           <a:p>
             <a:pPr marL="285750" indent="-285750">
@@ -15837,10 +15898,12 @@
               <a:buChar char="•"/>
             </a:pPr>
             <a:r>
-              <a:rPr lang="vi-VN"/>
+              <a:rPr lang="vi-VN" sz="2000" dirty="0">
+                <a:latin typeface="Times New Roman" panose="02020603050405020304" pitchFamily="18" charset="0"/>
+                <a:cs typeface="Times New Roman" panose="02020603050405020304" pitchFamily="18" charset="0"/>
+              </a:rPr>
               <a:t>Ứng dụng chưa hoàn thành được tất cả các tính năng đề ra</a:t>
             </a:r>
-            <a:endParaRPr lang="vi-VN" dirty="0"/>
           </a:p>
           <a:p>
             <a:pPr marL="285750" indent="-285750">
@@ -15851,13 +15914,18 @@
               <a:buChar char="•"/>
             </a:pPr>
             <a:r>
-              <a:rPr lang="vi-VN"/>
+              <a:rPr lang="vi-VN" sz="2000" dirty="0">
+                <a:latin typeface="Times New Roman" panose="02020603050405020304" pitchFamily="18" charset="0"/>
+                <a:cs typeface="Times New Roman" panose="02020603050405020304" pitchFamily="18" charset="0"/>
+              </a:rPr>
               <a:t>Còn một vài trải nghiệm chưa tốt khi sử dụng trang web</a:t>
             </a:r>
-            <a:endParaRPr lang="vi-VN" dirty="0"/>
-          </a:p>
-          <a:p>
-            <a:endParaRPr lang="vi-VN" dirty="0"/>
+          </a:p>
+          <a:p>
+            <a:endParaRPr lang="vi-VN" sz="2000" dirty="0">
+              <a:latin typeface="Times New Roman" panose="02020603050405020304" pitchFamily="18" charset="0"/>
+              <a:cs typeface="Times New Roman" panose="02020603050405020304" pitchFamily="18" charset="0"/>
+            </a:endParaRPr>
           </a:p>
         </p:txBody>
       </p:sp>
@@ -16102,7 +16170,7 @@
         <p:spPr>
           <a:xfrm>
             <a:off x="1103509" y="1526225"/>
-            <a:ext cx="9979418" cy="1477328"/>
+            <a:ext cx="9979418" cy="1631216"/>
           </a:xfrm>
           <a:prstGeom prst="rect">
             <a:avLst/>
@@ -16119,10 +16187,12 @@
           <a:lstStyle/>
           <a:p>
             <a:r>
-              <a:rPr lang="vi-VN"/>
+              <a:rPr lang="vi-VN" sz="2000" dirty="0">
+                <a:latin typeface="Times New Roman" panose="02020603050405020304" pitchFamily="18" charset="0"/>
+                <a:cs typeface="Times New Roman" panose="02020603050405020304" pitchFamily="18" charset="0"/>
+              </a:rPr>
               <a:t>Hướng phát triển:</a:t>
             </a:r>
-            <a:endParaRPr lang="vi-VN" dirty="0"/>
           </a:p>
           <a:p>
             <a:pPr marL="285750" indent="-285750">
@@ -16133,10 +16203,12 @@
               <a:buChar char="•"/>
             </a:pPr>
             <a:r>
-              <a:rPr lang="vi-VN"/>
+              <a:rPr lang="vi-VN" sz="2000" dirty="0">
+                <a:latin typeface="Times New Roman" panose="02020603050405020304" pitchFamily="18" charset="0"/>
+                <a:cs typeface="Times New Roman" panose="02020603050405020304" pitchFamily="18" charset="0"/>
+              </a:rPr>
               <a:t>Hoàn thiện các tính năng còn lại</a:t>
             </a:r>
-            <a:endParaRPr lang="vi-VN" dirty="0"/>
           </a:p>
           <a:p>
             <a:pPr marL="285750" indent="-285750">
@@ -16147,13 +16219,18 @@
               <a:buChar char="•"/>
             </a:pPr>
             <a:r>
-              <a:rPr lang="vi-VN"/>
+              <a:rPr lang="vi-VN" sz="2000" dirty="0">
+                <a:latin typeface="Times New Roman" panose="02020603050405020304" pitchFamily="18" charset="0"/>
+                <a:cs typeface="Times New Roman" panose="02020603050405020304" pitchFamily="18" charset="0"/>
+              </a:rPr>
               <a:t>Cải thiện trải nghiệm UI/UX của trang web</a:t>
             </a:r>
-            <a:endParaRPr lang="vi-VN" dirty="0"/>
-          </a:p>
-          <a:p>
-            <a:endParaRPr lang="vi-VN" dirty="0"/>
+          </a:p>
+          <a:p>
+            <a:endParaRPr lang="vi-VN" sz="2000" dirty="0">
+              <a:latin typeface="Times New Roman" panose="02020603050405020304" pitchFamily="18" charset="0"/>
+              <a:cs typeface="Times New Roman" panose="02020603050405020304" pitchFamily="18" charset="0"/>
+            </a:endParaRPr>
           </a:p>
         </p:txBody>
       </p:sp>
@@ -16311,6 +16388,78 @@
       <p:bldP spid="4" grpId="0"/>
     </p:bldLst>
   </p:timing>
+</p:sld>
+</file>
+
+<file path=ppt/slides/slide17.xml><?xml version="1.0" encoding="utf-8"?>
+<p:sld xmlns:a="http://schemas.openxmlformats.org/drawingml/2006/main" xmlns:r="http://schemas.openxmlformats.org/officeDocument/2006/relationships" xmlns:p="http://schemas.openxmlformats.org/presentationml/2006/main">
+  <p:cSld>
+    <p:spTree>
+      <p:nvGrpSpPr>
+        <p:cNvPr id="1" name=""/>
+        <p:cNvGrpSpPr/>
+        <p:nvPr/>
+      </p:nvGrpSpPr>
+      <p:grpSpPr>
+        <a:xfrm>
+          <a:off x="0" y="0"/>
+          <a:ext cx="0" cy="0"/>
+          <a:chOff x="0" y="0"/>
+          <a:chExt cx="0" cy="0"/>
+        </a:xfrm>
+      </p:grpSpPr>
+      <p:pic>
+        <p:nvPicPr>
+          <p:cNvPr id="3" name="Picture 2"/>
+          <p:cNvPicPr>
+            <a:picLocks noChangeAspect="1"/>
+          </p:cNvPicPr>
+          <p:nvPr/>
+        </p:nvPicPr>
+        <p:blipFill>
+          <a:blip r:embed="rId2">
+            <a:extLst>
+              <a:ext uri="{28A0092B-C50C-407E-A947-70E740481C1C}">
+                <a14:useLocalDpi xmlns:a14="http://schemas.microsoft.com/office/drawing/2010/main" val="0"/>
+              </a:ext>
+            </a:extLst>
+          </a:blip>
+          <a:stretch>
+            <a:fillRect/>
+          </a:stretch>
+        </p:blipFill>
+        <p:spPr>
+          <a:xfrm>
+            <a:off x="1524000" y="0"/>
+            <a:ext cx="9144000" cy="6858000"/>
+          </a:xfrm>
+          <a:prstGeom prst="rect">
+            <a:avLst/>
+          </a:prstGeom>
+        </p:spPr>
+      </p:pic>
+    </p:spTree>
+    <p:extLst>
+      <p:ext uri="{BB962C8B-B14F-4D97-AF65-F5344CB8AC3E}">
+        <p14:creationId xmlns:p14="http://schemas.microsoft.com/office/powerpoint/2010/main" val="1416039068"/>
+      </p:ext>
+    </p:extLst>
+  </p:cSld>
+  <p:clrMapOvr>
+    <a:masterClrMapping/>
+  </p:clrMapOvr>
+  <mc:AlternateContent xmlns:mc="http://schemas.openxmlformats.org/markup-compatibility/2006" xmlns:p15="http://schemas.microsoft.com/office/powerpoint/2012/main">
+    <mc:Choice Requires="p15">
+      <p:transition xmlns:p14="http://schemas.microsoft.com/office/powerpoint/2010/main" spd="slow" p14:dur="1250">
+        <p15:prstTrans prst="peelOff"/>
+      </p:transition>
+    </mc:Choice>
+    <mc:Fallback xmlns="">
+      <p:transition spd="slow">
+        <p:fade/>
+      </p:transition>
+    </mc:Fallback>
+  </mc:AlternateContent>
 </p:sld>
 </file>
 
@@ -18561,12 +18710,44 @@
               <a:buChar char="•"/>
             </a:pPr>
             <a:r>
-              <a:rPr lang="vi-VN" sz="2000">
-                <a:latin typeface="Times New Roman"/>
-                <a:cs typeface="Times New Roman"/>
-              </a:rPr>
-              <a:t>Admin</a:t>
-            </a:r>
+              <a:rPr lang="en-US" sz="2000" dirty="0" err="1" smtClean="0">
+                <a:latin typeface="Times New Roman"/>
+                <a:cs typeface="Times New Roman"/>
+              </a:rPr>
+              <a:t>Người</a:t>
+            </a:r>
+            <a:r>
+              <a:rPr lang="en-US" sz="2000" dirty="0" smtClean="0">
+                <a:latin typeface="Times New Roman"/>
+                <a:cs typeface="Times New Roman"/>
+              </a:rPr>
+              <a:t> </a:t>
+            </a:r>
+            <a:r>
+              <a:rPr lang="en-US" sz="2000" dirty="0" err="1" smtClean="0">
+                <a:latin typeface="Times New Roman"/>
+                <a:cs typeface="Times New Roman"/>
+              </a:rPr>
+              <a:t>quản</a:t>
+            </a:r>
+            <a:r>
+              <a:rPr lang="en-US" sz="2000" dirty="0" smtClean="0">
+                <a:latin typeface="Times New Roman"/>
+                <a:cs typeface="Times New Roman"/>
+              </a:rPr>
+              <a:t> </a:t>
+            </a:r>
+            <a:r>
+              <a:rPr lang="en-US" sz="2000" dirty="0" err="1" smtClean="0">
+                <a:latin typeface="Times New Roman"/>
+                <a:cs typeface="Times New Roman"/>
+              </a:rPr>
+              <a:t>trị</a:t>
+            </a:r>
+            <a:endParaRPr lang="vi-VN" sz="2000" dirty="0">
+              <a:latin typeface="Times New Roman"/>
+              <a:cs typeface="Times New Roman"/>
+            </a:endParaRPr>
           </a:p>
         </p:txBody>
       </p:sp>
@@ -19111,7 +19292,7 @@
               <a:t> </a:t>
             </a:r>
             <a:r>
-              <a:rPr lang="en-US" sz="2000" smtClean="0">
+              <a:rPr lang="en-US" sz="2000" dirty="0" err="1" smtClean="0">
                 <a:latin typeface="Times New Roman"/>
                 <a:cs typeface="Times New Roman"/>
               </a:rPr>
@@ -19523,32 +19704,60 @@
               <a:buNone/>
             </a:pPr>
             <a:r>
-              <a:rPr lang="vi-VN" sz="2400" err="1">
-                <a:latin typeface="Times New Roman"/>
-                <a:cs typeface="Times New Roman"/>
-              </a:rPr>
-              <a:t>Phía</a:t>
-            </a:r>
-            <a:r>
-              <a:rPr lang="vi-VN" sz="2400">
-                <a:latin typeface="Times New Roman"/>
-                <a:cs typeface="Times New Roman"/>
-              </a:rPr>
-              <a:t> </a:t>
-            </a:r>
-            <a:r>
-              <a:rPr lang="vi-VN" sz="2400" err="1">
-                <a:latin typeface="Times New Roman"/>
-                <a:cs typeface="Times New Roman"/>
-              </a:rPr>
-              <a:t>admin</a:t>
-            </a:r>
-            <a:r>
-              <a:rPr lang="vi-VN" sz="2400">
-                <a:latin typeface="Times New Roman"/>
-                <a:cs typeface="Times New Roman"/>
-              </a:rPr>
-              <a:t>: </a:t>
+              <a:rPr lang="vi-VN" sz="2400" dirty="0">
+                <a:latin typeface="Times New Roman"/>
+                <a:cs typeface="Times New Roman"/>
+              </a:rPr>
+              <a:t>Phía </a:t>
+            </a:r>
+            <a:r>
+              <a:rPr lang="en-US" sz="2400" dirty="0" err="1" smtClean="0">
+                <a:latin typeface="Times New Roman"/>
+                <a:cs typeface="Times New Roman"/>
+              </a:rPr>
+              <a:t>người</a:t>
+            </a:r>
+            <a:r>
+              <a:rPr lang="en-US" sz="2400" dirty="0" smtClean="0">
+                <a:latin typeface="Times New Roman"/>
+                <a:cs typeface="Times New Roman"/>
+              </a:rPr>
+              <a:t> </a:t>
+            </a:r>
+            <a:r>
+              <a:rPr lang="en-US" sz="2400" dirty="0" err="1" smtClean="0">
+                <a:latin typeface="Times New Roman"/>
+                <a:cs typeface="Times New Roman"/>
+              </a:rPr>
+              <a:t>quản</a:t>
+            </a:r>
+            <a:r>
+              <a:rPr lang="en-US" sz="2400" dirty="0" smtClean="0">
+                <a:latin typeface="Times New Roman"/>
+                <a:cs typeface="Times New Roman"/>
+              </a:rPr>
+              <a:t> </a:t>
+            </a:r>
+            <a:r>
+              <a:rPr lang="en-US" sz="2400" dirty="0" err="1" smtClean="0">
+                <a:latin typeface="Times New Roman"/>
+                <a:cs typeface="Times New Roman"/>
+              </a:rPr>
+              <a:t>trị</a:t>
+            </a:r>
+            <a:r>
+              <a:rPr lang="vi-VN" sz="2400" dirty="0" smtClean="0">
+                <a:latin typeface="Times New Roman"/>
+                <a:cs typeface="Times New Roman"/>
+              </a:rPr>
+              <a:t>:</a:t>
+            </a:r>
+            <a:r>
+              <a:rPr lang="vi-VN" sz="2400" dirty="0">
+                <a:latin typeface="Times New Roman"/>
+                <a:cs typeface="Times New Roman"/>
+              </a:rPr>
+              <a:t> </a:t>
             </a:r>
           </a:p>
         </p:txBody>
@@ -20752,14 +20961,14 @@
               <a:t>Website </a:t>
             </a:r>
             <a:r>
-              <a:rPr lang="en-US" sz="2400" smtClean="0">
+              <a:rPr lang="en-US" sz="2400" dirty="0" smtClean="0">
                 <a:latin typeface="Times New Roman"/>
                 <a:cs typeface="Times New Roman"/>
               </a:rPr>
               <a:t>3</a:t>
             </a:r>
             <a:r>
-              <a:rPr lang="vi-VN" sz="2400" smtClean="0">
+              <a:rPr lang="vi-VN" sz="2400" dirty="0" smtClean="0">
                 <a:latin typeface="Times New Roman"/>
                 <a:cs typeface="Times New Roman"/>
               </a:rPr>
